--- a/00-INTRO/git/git.pptx
+++ b/00-INTRO/git/git.pptx
@@ -9,6 +9,11 @@
     <p:sldId id="257" r:id="rId3"/>
     <p:sldId id="258" r:id="rId4"/>
     <p:sldId id="259" r:id="rId5"/>
+    <p:sldId id="264" r:id="rId6"/>
+    <p:sldId id="260" r:id="rId7"/>
+    <p:sldId id="261" r:id="rId8"/>
+    <p:sldId id="262" r:id="rId9"/>
+    <p:sldId id="263" r:id="rId10"/>
   </p:sldIdLst>
   <p:sldSz cx="12192000" cy="6858000"/>
   <p:notesSz cx="6858000" cy="9144000"/>
@@ -107,6 +112,11 @@
       </a:defRPr>
     </a:lvl9pPr>
   </p:defaultTextStyle>
+  <p:extLst>
+    <p:ext uri="{EFAFB233-063F-42B5-8137-9DF3F51BA10A}">
+      <p15:sldGuideLst xmlns:p15="http://schemas.microsoft.com/office/powerpoint/2012/main"/>
+    </p:ext>
+  </p:extLst>
 </p:presentation>
 </file>
 
@@ -259,7 +269,7 @@
           <a:p>
             <a:fld id="{0C8D41B9-6038-47D3-AB28-B64D7042EB3B}" type="datetimeFigureOut">
               <a:rPr lang="en-IL" smtClean="0"/>
-              <a:t>08/11/2021</a:t>
+              <a:t>15/11/2021</a:t>
             </a:fld>
             <a:endParaRPr lang="en-IL"/>
           </a:p>
@@ -459,7 +469,7 @@
           <a:p>
             <a:fld id="{0C8D41B9-6038-47D3-AB28-B64D7042EB3B}" type="datetimeFigureOut">
               <a:rPr lang="en-IL" smtClean="0"/>
-              <a:t>08/11/2021</a:t>
+              <a:t>15/11/2021</a:t>
             </a:fld>
             <a:endParaRPr lang="en-IL"/>
           </a:p>
@@ -669,7 +679,7 @@
           <a:p>
             <a:fld id="{0C8D41B9-6038-47D3-AB28-B64D7042EB3B}" type="datetimeFigureOut">
               <a:rPr lang="en-IL" smtClean="0"/>
-              <a:t>08/11/2021</a:t>
+              <a:t>15/11/2021</a:t>
             </a:fld>
             <a:endParaRPr lang="en-IL"/>
           </a:p>
@@ -869,7 +879,7 @@
           <a:p>
             <a:fld id="{0C8D41B9-6038-47D3-AB28-B64D7042EB3B}" type="datetimeFigureOut">
               <a:rPr lang="en-IL" smtClean="0"/>
-              <a:t>08/11/2021</a:t>
+              <a:t>15/11/2021</a:t>
             </a:fld>
             <a:endParaRPr lang="en-IL"/>
           </a:p>
@@ -1145,7 +1155,7 @@
           <a:p>
             <a:fld id="{0C8D41B9-6038-47D3-AB28-B64D7042EB3B}" type="datetimeFigureOut">
               <a:rPr lang="en-IL" smtClean="0"/>
-              <a:t>08/11/2021</a:t>
+              <a:t>15/11/2021</a:t>
             </a:fld>
             <a:endParaRPr lang="en-IL"/>
           </a:p>
@@ -1413,7 +1423,7 @@
           <a:p>
             <a:fld id="{0C8D41B9-6038-47D3-AB28-B64D7042EB3B}" type="datetimeFigureOut">
               <a:rPr lang="en-IL" smtClean="0"/>
-              <a:t>08/11/2021</a:t>
+              <a:t>15/11/2021</a:t>
             </a:fld>
             <a:endParaRPr lang="en-IL"/>
           </a:p>
@@ -1828,7 +1838,7 @@
           <a:p>
             <a:fld id="{0C8D41B9-6038-47D3-AB28-B64D7042EB3B}" type="datetimeFigureOut">
               <a:rPr lang="en-IL" smtClean="0"/>
-              <a:t>08/11/2021</a:t>
+              <a:t>15/11/2021</a:t>
             </a:fld>
             <a:endParaRPr lang="en-IL"/>
           </a:p>
@@ -1970,7 +1980,7 @@
           <a:p>
             <a:fld id="{0C8D41B9-6038-47D3-AB28-B64D7042EB3B}" type="datetimeFigureOut">
               <a:rPr lang="en-IL" smtClean="0"/>
-              <a:t>08/11/2021</a:t>
+              <a:t>15/11/2021</a:t>
             </a:fld>
             <a:endParaRPr lang="en-IL"/>
           </a:p>
@@ -2083,7 +2093,7 @@
           <a:p>
             <a:fld id="{0C8D41B9-6038-47D3-AB28-B64D7042EB3B}" type="datetimeFigureOut">
               <a:rPr lang="en-IL" smtClean="0"/>
-              <a:t>08/11/2021</a:t>
+              <a:t>15/11/2021</a:t>
             </a:fld>
             <a:endParaRPr lang="en-IL"/>
           </a:p>
@@ -2396,7 +2406,7 @@
           <a:p>
             <a:fld id="{0C8D41B9-6038-47D3-AB28-B64D7042EB3B}" type="datetimeFigureOut">
               <a:rPr lang="en-IL" smtClean="0"/>
-              <a:t>08/11/2021</a:t>
+              <a:t>15/11/2021</a:t>
             </a:fld>
             <a:endParaRPr lang="en-IL"/>
           </a:p>
@@ -2685,7 +2695,7 @@
           <a:p>
             <a:fld id="{0C8D41B9-6038-47D3-AB28-B64D7042EB3B}" type="datetimeFigureOut">
               <a:rPr lang="en-IL" smtClean="0"/>
-              <a:t>08/11/2021</a:t>
+              <a:t>15/11/2021</a:t>
             </a:fld>
             <a:endParaRPr lang="en-IL"/>
           </a:p>
@@ -2928,7 +2938,7 @@
           <a:p>
             <a:fld id="{0C8D41B9-6038-47D3-AB28-B64D7042EB3B}" type="datetimeFigureOut">
               <a:rPr lang="en-IL" smtClean="0"/>
-              <a:t>08/11/2021</a:t>
+              <a:t>15/11/2021</a:t>
             </a:fld>
             <a:endParaRPr lang="en-IL"/>
           </a:p>
@@ -5144,6 +5154,2755 @@
 </p:sld>
 </file>
 
+<file path=ppt/slides/slide5.xml><?xml version="1.0" encoding="utf-8"?>
+<p:sld xmlns:a="http://schemas.openxmlformats.org/drawingml/2006/main" xmlns:r="http://schemas.openxmlformats.org/officeDocument/2006/relationships" xmlns:p="http://schemas.openxmlformats.org/presentationml/2006/main">
+  <p:cSld>
+    <p:spTree>
+      <p:nvGrpSpPr>
+        <p:cNvPr id="1" name=""/>
+        <p:cNvGrpSpPr/>
+        <p:nvPr/>
+      </p:nvGrpSpPr>
+      <p:grpSpPr>
+        <a:xfrm>
+          <a:off x="0" y="0"/>
+          <a:ext cx="0" cy="0"/>
+          <a:chOff x="0" y="0"/>
+          <a:chExt cx="0" cy="0"/>
+        </a:xfrm>
+      </p:grpSpPr>
+      <p:sp>
+        <p:nvSpPr>
+          <p:cNvPr id="2" name="TextBox 1">
+            <a:extLst>
+              <a:ext uri="{FF2B5EF4-FFF2-40B4-BE49-F238E27FC236}">
+                <a16:creationId xmlns:a16="http://schemas.microsoft.com/office/drawing/2014/main" id="{EAC0F8C4-F4EB-4BFD-8ED2-0C528A4CE366}"/>
+              </a:ext>
+            </a:extLst>
+          </p:cNvPr>
+          <p:cNvSpPr txBox="1"/>
+          <p:nvPr/>
+        </p:nvSpPr>
+        <p:spPr>
+          <a:xfrm>
+            <a:off x="3931298" y="2289110"/>
+            <a:ext cx="4360506" cy="369332"/>
+          </a:xfrm>
+          <a:prstGeom prst="rect">
+            <a:avLst/>
+          </a:prstGeom>
+          <a:noFill/>
+        </p:spPr>
+        <p:txBody>
+          <a:bodyPr wrap="square" rtlCol="0">
+            <a:spAutoFit/>
+          </a:bodyPr>
+          <a:lstStyle/>
+          <a:p>
+            <a:r>
+              <a:rPr lang="en-US" dirty="0"/>
+              <a:t>start</a:t>
+            </a:r>
+            <a:endParaRPr lang="en-IL" dirty="0"/>
+          </a:p>
+        </p:txBody>
+      </p:sp>
+    </p:spTree>
+    <p:extLst>
+      <p:ext uri="{BB962C8B-B14F-4D97-AF65-F5344CB8AC3E}">
+        <p14:creationId xmlns:p14="http://schemas.microsoft.com/office/powerpoint/2010/main" val="3648310966"/>
+      </p:ext>
+    </p:extLst>
+  </p:cSld>
+  <p:clrMapOvr>
+    <a:masterClrMapping/>
+  </p:clrMapOvr>
+</p:sld>
+</file>
+
+<file path=ppt/slides/slide6.xml><?xml version="1.0" encoding="utf-8"?>
+<p:sld xmlns:a="http://schemas.openxmlformats.org/drawingml/2006/main" xmlns:r="http://schemas.openxmlformats.org/officeDocument/2006/relationships" xmlns:p="http://schemas.openxmlformats.org/presentationml/2006/main">
+  <p:cSld>
+    <p:spTree>
+      <p:nvGrpSpPr>
+        <p:cNvPr id="1" name=""/>
+        <p:cNvGrpSpPr/>
+        <p:nvPr/>
+      </p:nvGrpSpPr>
+      <p:grpSpPr>
+        <a:xfrm>
+          <a:off x="0" y="0"/>
+          <a:ext cx="0" cy="0"/>
+          <a:chOff x="0" y="0"/>
+          <a:chExt cx="0" cy="0"/>
+        </a:xfrm>
+      </p:grpSpPr>
+      <p:sp>
+        <p:nvSpPr>
+          <p:cNvPr id="4" name="Rectangle: Folded Corner 3">
+            <a:extLst>
+              <a:ext uri="{FF2B5EF4-FFF2-40B4-BE49-F238E27FC236}">
+                <a16:creationId xmlns:a16="http://schemas.microsoft.com/office/drawing/2014/main" id="{9B3711BE-E2F4-452A-AF79-398F793F3BB1}"/>
+              </a:ext>
+            </a:extLst>
+          </p:cNvPr>
+          <p:cNvSpPr/>
+          <p:nvPr/>
+        </p:nvSpPr>
+        <p:spPr>
+          <a:xfrm>
+            <a:off x="6770915" y="3367569"/>
+            <a:ext cx="1069911" cy="1191990"/>
+          </a:xfrm>
+          <a:prstGeom prst="foldedCorner">
+            <a:avLst/>
+          </a:prstGeom>
+          <a:solidFill>
+            <a:srgbClr val="FF0000"/>
+          </a:solidFill>
+        </p:spPr>
+        <p:style>
+          <a:lnRef idx="2">
+            <a:schemeClr val="dk1">
+              <a:shade val="50000"/>
+            </a:schemeClr>
+          </a:lnRef>
+          <a:fillRef idx="1">
+            <a:schemeClr val="dk1"/>
+          </a:fillRef>
+          <a:effectRef idx="0">
+            <a:schemeClr val="dk1"/>
+          </a:effectRef>
+          <a:fontRef idx="minor">
+            <a:schemeClr val="lt1"/>
+          </a:fontRef>
+        </p:style>
+        <p:txBody>
+          <a:bodyPr rtlCol="0" anchor="ctr"/>
+          <a:lstStyle/>
+          <a:p>
+            <a:pPr algn="ctr"/>
+            <a:r>
+              <a:rPr lang="en-US" dirty="0"/>
+              <a:t>Code</a:t>
+            </a:r>
+            <a:endParaRPr lang="en-IL" dirty="0"/>
+          </a:p>
+        </p:txBody>
+      </p:sp>
+      <p:sp>
+        <p:nvSpPr>
+          <p:cNvPr id="5" name="Smiley Face 4">
+            <a:extLst>
+              <a:ext uri="{FF2B5EF4-FFF2-40B4-BE49-F238E27FC236}">
+                <a16:creationId xmlns:a16="http://schemas.microsoft.com/office/drawing/2014/main" id="{4A30884C-0FCF-4D2C-A486-D79E70A01A63}"/>
+              </a:ext>
+            </a:extLst>
+          </p:cNvPr>
+          <p:cNvSpPr/>
+          <p:nvPr/>
+        </p:nvSpPr>
+        <p:spPr>
+          <a:xfrm>
+            <a:off x="161731" y="3551853"/>
+            <a:ext cx="746449" cy="727788"/>
+          </a:xfrm>
+          <a:prstGeom prst="smileyFace">
+            <a:avLst/>
+          </a:prstGeom>
+        </p:spPr>
+        <p:style>
+          <a:lnRef idx="2">
+            <a:schemeClr val="accent1">
+              <a:shade val="50000"/>
+            </a:schemeClr>
+          </a:lnRef>
+          <a:fillRef idx="1">
+            <a:schemeClr val="accent1"/>
+          </a:fillRef>
+          <a:effectRef idx="0">
+            <a:schemeClr val="accent1"/>
+          </a:effectRef>
+          <a:fontRef idx="minor">
+            <a:schemeClr val="lt1"/>
+          </a:fontRef>
+        </p:style>
+        <p:txBody>
+          <a:bodyPr rtlCol="0" anchor="ctr"/>
+          <a:lstStyle/>
+          <a:p>
+            <a:pPr algn="ctr"/>
+            <a:endParaRPr lang="en-IL"/>
+          </a:p>
+        </p:txBody>
+      </p:sp>
+      <p:sp>
+        <p:nvSpPr>
+          <p:cNvPr id="6" name="TextBox 5">
+            <a:extLst>
+              <a:ext uri="{FF2B5EF4-FFF2-40B4-BE49-F238E27FC236}">
+                <a16:creationId xmlns:a16="http://schemas.microsoft.com/office/drawing/2014/main" id="{C31B31D2-9726-4C5E-8BF0-E31F1CE9FCD2}"/>
+              </a:ext>
+            </a:extLst>
+          </p:cNvPr>
+          <p:cNvSpPr txBox="1"/>
+          <p:nvPr/>
+        </p:nvSpPr>
+        <p:spPr>
+          <a:xfrm>
+            <a:off x="49763" y="4559559"/>
+            <a:ext cx="1069910" cy="369332"/>
+          </a:xfrm>
+          <a:prstGeom prst="rect">
+            <a:avLst/>
+          </a:prstGeom>
+          <a:noFill/>
+        </p:spPr>
+        <p:txBody>
+          <a:bodyPr wrap="square" rtlCol="0">
+            <a:spAutoFit/>
+          </a:bodyPr>
+          <a:lstStyle/>
+          <a:p>
+            <a:pPr algn="ctr"/>
+            <a:r>
+              <a:rPr lang="en-US" dirty="0"/>
+              <a:t>me</a:t>
+            </a:r>
+            <a:endParaRPr lang="en-IL" dirty="0"/>
+          </a:p>
+        </p:txBody>
+      </p:sp>
+      <p:sp>
+        <p:nvSpPr>
+          <p:cNvPr id="7" name="Smiley Face 6">
+            <a:extLst>
+              <a:ext uri="{FF2B5EF4-FFF2-40B4-BE49-F238E27FC236}">
+                <a16:creationId xmlns:a16="http://schemas.microsoft.com/office/drawing/2014/main" id="{0BE040ED-9F75-4F09-8C46-A6F32D3FC5F9}"/>
+              </a:ext>
+            </a:extLst>
+          </p:cNvPr>
+          <p:cNvSpPr/>
+          <p:nvPr/>
+        </p:nvSpPr>
+        <p:spPr>
+          <a:xfrm>
+            <a:off x="8382000" y="3704253"/>
+            <a:ext cx="746449" cy="727788"/>
+          </a:xfrm>
+          <a:prstGeom prst="smileyFace">
+            <a:avLst/>
+          </a:prstGeom>
+          <a:solidFill>
+            <a:schemeClr val="accent6">
+              <a:lumMod val="40000"/>
+              <a:lumOff val="60000"/>
+            </a:schemeClr>
+          </a:solidFill>
+        </p:spPr>
+        <p:style>
+          <a:lnRef idx="2">
+            <a:schemeClr val="accent1">
+              <a:shade val="50000"/>
+            </a:schemeClr>
+          </a:lnRef>
+          <a:fillRef idx="1">
+            <a:schemeClr val="accent1"/>
+          </a:fillRef>
+          <a:effectRef idx="0">
+            <a:schemeClr val="accent1"/>
+          </a:effectRef>
+          <a:fontRef idx="minor">
+            <a:schemeClr val="lt1"/>
+          </a:fontRef>
+        </p:style>
+        <p:txBody>
+          <a:bodyPr rtlCol="0" anchor="ctr"/>
+          <a:lstStyle/>
+          <a:p>
+            <a:pPr algn="ctr"/>
+            <a:endParaRPr lang="en-IL" dirty="0">
+              <a:highlight>
+                <a:srgbClr val="FFFF00"/>
+              </a:highlight>
+            </a:endParaRPr>
+          </a:p>
+        </p:txBody>
+      </p:sp>
+      <p:pic>
+        <p:nvPicPr>
+          <p:cNvPr id="9" name="Graphic 8" descr="Send outline">
+            <a:extLst>
+              <a:ext uri="{FF2B5EF4-FFF2-40B4-BE49-F238E27FC236}">
+                <a16:creationId xmlns:a16="http://schemas.microsoft.com/office/drawing/2014/main" id="{542D8129-40C0-4874-871C-51EB9A1666AB}"/>
+              </a:ext>
+            </a:extLst>
+          </p:cNvPr>
+          <p:cNvPicPr>
+            <a:picLocks noChangeAspect="1"/>
+          </p:cNvPicPr>
+          <p:nvPr/>
+        </p:nvPicPr>
+        <p:blipFill>
+          <a:blip r:embed="rId2">
+            <a:extLst>
+              <a:ext uri="{28A0092B-C50C-407E-A947-70E740481C1C}">
+                <a14:useLocalDpi xmlns:a14="http://schemas.microsoft.com/office/drawing/2010/main" val="0"/>
+              </a:ext>
+              <a:ext uri="{96DAC541-7B7A-43D3-8B79-37D633B846F1}">
+                <asvg:svgBlip xmlns:asvg="http://schemas.microsoft.com/office/drawing/2016/SVG/main" r:embed="rId3"/>
+              </a:ext>
+            </a:extLst>
+          </a:blip>
+          <a:stretch>
+            <a:fillRect/>
+          </a:stretch>
+        </p:blipFill>
+        <p:spPr>
+          <a:xfrm>
+            <a:off x="4506687" y="3153747"/>
+            <a:ext cx="914400" cy="914400"/>
+          </a:xfrm>
+          <a:prstGeom prst="rect">
+            <a:avLst/>
+          </a:prstGeom>
+        </p:spPr>
+      </p:pic>
+      <p:pic>
+        <p:nvPicPr>
+          <p:cNvPr id="3" name="Graphic 2" descr="Upload outline">
+            <a:extLst>
+              <a:ext uri="{FF2B5EF4-FFF2-40B4-BE49-F238E27FC236}">
+                <a16:creationId xmlns:a16="http://schemas.microsoft.com/office/drawing/2014/main" id="{6E3ACF3D-77A1-4CF3-9C21-3C4C5C1B1BD9}"/>
+              </a:ext>
+            </a:extLst>
+          </p:cNvPr>
+          <p:cNvPicPr>
+            <a:picLocks noChangeAspect="1"/>
+          </p:cNvPicPr>
+          <p:nvPr/>
+        </p:nvPicPr>
+        <p:blipFill>
+          <a:blip r:embed="rId4">
+            <a:extLst>
+              <a:ext uri="{28A0092B-C50C-407E-A947-70E740481C1C}">
+                <a14:useLocalDpi xmlns:a14="http://schemas.microsoft.com/office/drawing/2010/main" val="0"/>
+              </a:ext>
+              <a:ext uri="{96DAC541-7B7A-43D3-8B79-37D633B846F1}">
+                <asvg:svgBlip xmlns:asvg="http://schemas.microsoft.com/office/drawing/2016/SVG/main" r:embed="rId5"/>
+              </a:ext>
+            </a:extLst>
+          </a:blip>
+          <a:stretch>
+            <a:fillRect/>
+          </a:stretch>
+        </p:blipFill>
+        <p:spPr>
+          <a:xfrm>
+            <a:off x="3592287" y="676469"/>
+            <a:ext cx="1345164" cy="1345164"/>
+          </a:xfrm>
+          <a:prstGeom prst="rect">
+            <a:avLst/>
+          </a:prstGeom>
+        </p:spPr>
+      </p:pic>
+      <p:sp>
+        <p:nvSpPr>
+          <p:cNvPr id="11" name="Rectangle: Folded Corner 10">
+            <a:extLst>
+              <a:ext uri="{FF2B5EF4-FFF2-40B4-BE49-F238E27FC236}">
+                <a16:creationId xmlns:a16="http://schemas.microsoft.com/office/drawing/2014/main" id="{5E73A47C-866A-4ACA-8109-B520D6004C76}"/>
+              </a:ext>
+            </a:extLst>
+          </p:cNvPr>
+          <p:cNvSpPr/>
+          <p:nvPr/>
+        </p:nvSpPr>
+        <p:spPr>
+          <a:xfrm>
+            <a:off x="1172547" y="2998237"/>
+            <a:ext cx="914400" cy="1281404"/>
+          </a:xfrm>
+          <a:prstGeom prst="foldedCorner">
+            <a:avLst/>
+          </a:prstGeom>
+          <a:solidFill>
+            <a:srgbClr val="FF0000"/>
+          </a:solidFill>
+        </p:spPr>
+        <p:style>
+          <a:lnRef idx="2">
+            <a:schemeClr val="dk1">
+              <a:shade val="50000"/>
+            </a:schemeClr>
+          </a:lnRef>
+          <a:fillRef idx="1">
+            <a:schemeClr val="dk1"/>
+          </a:fillRef>
+          <a:effectRef idx="0">
+            <a:schemeClr val="dk1"/>
+          </a:effectRef>
+          <a:fontRef idx="minor">
+            <a:schemeClr val="lt1"/>
+          </a:fontRef>
+        </p:style>
+        <p:txBody>
+          <a:bodyPr rtlCol="0" anchor="ctr"/>
+          <a:lstStyle/>
+          <a:p>
+            <a:pPr algn="ctr"/>
+            <a:r>
+              <a:rPr lang="en-US" dirty="0"/>
+              <a:t>Code</a:t>
+            </a:r>
+            <a:endParaRPr lang="en-IL" dirty="0"/>
+          </a:p>
+        </p:txBody>
+      </p:sp>
+      <p:cxnSp>
+        <p:nvCxnSpPr>
+          <p:cNvPr id="12" name="Straight Arrow Connector 11">
+            <a:extLst>
+              <a:ext uri="{FF2B5EF4-FFF2-40B4-BE49-F238E27FC236}">
+                <a16:creationId xmlns:a16="http://schemas.microsoft.com/office/drawing/2014/main" id="{0E9B3036-DEA8-4233-8A15-E365FA98D11A}"/>
+              </a:ext>
+            </a:extLst>
+          </p:cNvPr>
+          <p:cNvCxnSpPr>
+            <a:cxnSpLocks/>
+            <a:stCxn id="11" idx="3"/>
+            <a:endCxn id="3" idx="2"/>
+          </p:cNvCxnSpPr>
+          <p:nvPr/>
+        </p:nvCxnSpPr>
+        <p:spPr>
+          <a:xfrm flipV="1">
+            <a:off x="2086947" y="2021633"/>
+            <a:ext cx="2177922" cy="1617306"/>
+          </a:xfrm>
+          <a:prstGeom prst="straightConnector1">
+            <a:avLst/>
+          </a:prstGeom>
+          <a:ln>
+            <a:tailEnd type="triangle"/>
+          </a:ln>
+        </p:spPr>
+        <p:style>
+          <a:lnRef idx="1">
+            <a:schemeClr val="accent1"/>
+          </a:lnRef>
+          <a:fillRef idx="0">
+            <a:schemeClr val="accent1"/>
+          </a:fillRef>
+          <a:effectRef idx="0">
+            <a:schemeClr val="accent1"/>
+          </a:effectRef>
+          <a:fontRef idx="minor">
+            <a:schemeClr val="tx1"/>
+          </a:fontRef>
+        </p:style>
+      </p:cxnSp>
+      <p:cxnSp>
+        <p:nvCxnSpPr>
+          <p:cNvPr id="13" name="Straight Arrow Connector 12">
+            <a:extLst>
+              <a:ext uri="{FF2B5EF4-FFF2-40B4-BE49-F238E27FC236}">
+                <a16:creationId xmlns:a16="http://schemas.microsoft.com/office/drawing/2014/main" id="{5D1F1AD8-DEDF-497D-970F-ABE4183241FB}"/>
+              </a:ext>
+            </a:extLst>
+          </p:cNvPr>
+          <p:cNvCxnSpPr>
+            <a:cxnSpLocks/>
+            <a:stCxn id="4" idx="0"/>
+            <a:endCxn id="3" idx="2"/>
+          </p:cNvCxnSpPr>
+          <p:nvPr/>
+        </p:nvCxnSpPr>
+        <p:spPr>
+          <a:xfrm flipH="1" flipV="1">
+            <a:off x="4264869" y="2021633"/>
+            <a:ext cx="3041002" cy="1345936"/>
+          </a:xfrm>
+          <a:prstGeom prst="straightConnector1">
+            <a:avLst/>
+          </a:prstGeom>
+          <a:ln>
+            <a:tailEnd type="triangle"/>
+          </a:ln>
+        </p:spPr>
+        <p:style>
+          <a:lnRef idx="1">
+            <a:schemeClr val="accent1"/>
+          </a:lnRef>
+          <a:fillRef idx="0">
+            <a:schemeClr val="accent1"/>
+          </a:fillRef>
+          <a:effectRef idx="0">
+            <a:schemeClr val="accent1"/>
+          </a:effectRef>
+          <a:fontRef idx="minor">
+            <a:schemeClr val="tx1"/>
+          </a:fontRef>
+        </p:style>
+      </p:cxnSp>
+      <p:sp>
+        <p:nvSpPr>
+          <p:cNvPr id="25" name="TextBox 24">
+            <a:extLst>
+              <a:ext uri="{FF2B5EF4-FFF2-40B4-BE49-F238E27FC236}">
+                <a16:creationId xmlns:a16="http://schemas.microsoft.com/office/drawing/2014/main" id="{EFAE949F-3EE0-46E5-903D-06AB5FD68FA5}"/>
+              </a:ext>
+            </a:extLst>
+          </p:cNvPr>
+          <p:cNvSpPr txBox="1"/>
+          <p:nvPr/>
+        </p:nvSpPr>
+        <p:spPr>
+          <a:xfrm>
+            <a:off x="1331167" y="550116"/>
+            <a:ext cx="2125434" cy="369332"/>
+          </a:xfrm>
+          <a:prstGeom prst="rect">
+            <a:avLst/>
+          </a:prstGeom>
+          <a:noFill/>
+        </p:spPr>
+        <p:txBody>
+          <a:bodyPr wrap="square" rtlCol="0">
+            <a:spAutoFit/>
+          </a:bodyPr>
+          <a:lstStyle/>
+          <a:p>
+            <a:r>
+              <a:rPr lang="en-US" dirty="0"/>
+              <a:t>Git repository</a:t>
+            </a:r>
+            <a:endParaRPr lang="en-IL" dirty="0"/>
+          </a:p>
+        </p:txBody>
+      </p:sp>
+      <p:sp>
+        <p:nvSpPr>
+          <p:cNvPr id="26" name="TextBox 25">
+            <a:extLst>
+              <a:ext uri="{FF2B5EF4-FFF2-40B4-BE49-F238E27FC236}">
+                <a16:creationId xmlns:a16="http://schemas.microsoft.com/office/drawing/2014/main" id="{42B7B6F3-E909-463A-888F-72002CE9E633}"/>
+              </a:ext>
+            </a:extLst>
+          </p:cNvPr>
+          <p:cNvSpPr txBox="1"/>
+          <p:nvPr/>
+        </p:nvSpPr>
+        <p:spPr>
+          <a:xfrm>
+            <a:off x="2788689" y="1215308"/>
+            <a:ext cx="1508058" cy="369332"/>
+          </a:xfrm>
+          <a:prstGeom prst="rect">
+            <a:avLst/>
+          </a:prstGeom>
+          <a:noFill/>
+        </p:spPr>
+        <p:txBody>
+          <a:bodyPr wrap="square" rtlCol="0">
+            <a:spAutoFit/>
+          </a:bodyPr>
+          <a:lstStyle/>
+          <a:p>
+            <a:r>
+              <a:rPr lang="en-US" dirty="0"/>
+              <a:t>remote</a:t>
+            </a:r>
+            <a:endParaRPr lang="en-IL" dirty="0"/>
+          </a:p>
+        </p:txBody>
+      </p:sp>
+      <p:sp>
+        <p:nvSpPr>
+          <p:cNvPr id="27" name="TextBox 26">
+            <a:extLst>
+              <a:ext uri="{FF2B5EF4-FFF2-40B4-BE49-F238E27FC236}">
+                <a16:creationId xmlns:a16="http://schemas.microsoft.com/office/drawing/2014/main" id="{BCFD264E-0EC1-4C84-9979-57B9DA2FD49C}"/>
+              </a:ext>
+            </a:extLst>
+          </p:cNvPr>
+          <p:cNvSpPr txBox="1"/>
+          <p:nvPr/>
+        </p:nvSpPr>
+        <p:spPr>
+          <a:xfrm>
+            <a:off x="1175658" y="4279641"/>
+            <a:ext cx="1508058" cy="369332"/>
+          </a:xfrm>
+          <a:prstGeom prst="rect">
+            <a:avLst/>
+          </a:prstGeom>
+          <a:noFill/>
+        </p:spPr>
+        <p:txBody>
+          <a:bodyPr wrap="square" rtlCol="0">
+            <a:spAutoFit/>
+          </a:bodyPr>
+          <a:lstStyle/>
+          <a:p>
+            <a:r>
+              <a:rPr lang="en-US" dirty="0"/>
+              <a:t>local</a:t>
+            </a:r>
+            <a:endParaRPr lang="en-IL" dirty="0"/>
+          </a:p>
+        </p:txBody>
+      </p:sp>
+      <p:sp>
+        <p:nvSpPr>
+          <p:cNvPr id="18" name="TextBox 17">
+            <a:extLst>
+              <a:ext uri="{FF2B5EF4-FFF2-40B4-BE49-F238E27FC236}">
+                <a16:creationId xmlns:a16="http://schemas.microsoft.com/office/drawing/2014/main" id="{2D67576B-4494-404C-BF3D-A931F968131B}"/>
+              </a:ext>
+            </a:extLst>
+          </p:cNvPr>
+          <p:cNvSpPr txBox="1"/>
+          <p:nvPr/>
+        </p:nvSpPr>
+        <p:spPr>
+          <a:xfrm rot="19642354">
+            <a:off x="2674487" y="2345095"/>
+            <a:ext cx="834508" cy="369332"/>
+          </a:xfrm>
+          <a:prstGeom prst="rect">
+            <a:avLst/>
+          </a:prstGeom>
+          <a:noFill/>
+        </p:spPr>
+        <p:txBody>
+          <a:bodyPr wrap="square" rtlCol="0">
+            <a:spAutoFit/>
+          </a:bodyPr>
+          <a:lstStyle/>
+          <a:p>
+            <a:r>
+              <a:rPr lang="en-US" dirty="0"/>
+              <a:t>clone</a:t>
+            </a:r>
+            <a:endParaRPr lang="en-IL" dirty="0"/>
+          </a:p>
+        </p:txBody>
+      </p:sp>
+      <p:sp>
+        <p:nvSpPr>
+          <p:cNvPr id="28" name="TextBox 27">
+            <a:extLst>
+              <a:ext uri="{FF2B5EF4-FFF2-40B4-BE49-F238E27FC236}">
+                <a16:creationId xmlns:a16="http://schemas.microsoft.com/office/drawing/2014/main" id="{BD7CC8BB-B0CC-4B52-BF89-28D0AEFB9316}"/>
+              </a:ext>
+            </a:extLst>
+          </p:cNvPr>
+          <p:cNvSpPr txBox="1"/>
+          <p:nvPr/>
+        </p:nvSpPr>
+        <p:spPr>
+          <a:xfrm>
+            <a:off x="6671389" y="4479858"/>
+            <a:ext cx="1508058" cy="369332"/>
+          </a:xfrm>
+          <a:prstGeom prst="rect">
+            <a:avLst/>
+          </a:prstGeom>
+          <a:noFill/>
+        </p:spPr>
+        <p:txBody>
+          <a:bodyPr wrap="square" rtlCol="0">
+            <a:spAutoFit/>
+          </a:bodyPr>
+          <a:lstStyle/>
+          <a:p>
+            <a:r>
+              <a:rPr lang="en-US" dirty="0"/>
+              <a:t>local</a:t>
+            </a:r>
+            <a:endParaRPr lang="en-IL" dirty="0"/>
+          </a:p>
+        </p:txBody>
+      </p:sp>
+      <p:sp>
+        <p:nvSpPr>
+          <p:cNvPr id="29" name="TextBox 28">
+            <a:extLst>
+              <a:ext uri="{FF2B5EF4-FFF2-40B4-BE49-F238E27FC236}">
+                <a16:creationId xmlns:a16="http://schemas.microsoft.com/office/drawing/2014/main" id="{5C3B561D-A775-439D-8D6B-C3BB5F39C38D}"/>
+              </a:ext>
+            </a:extLst>
+          </p:cNvPr>
+          <p:cNvSpPr txBox="1"/>
+          <p:nvPr/>
+        </p:nvSpPr>
+        <p:spPr>
+          <a:xfrm rot="1633289">
+            <a:off x="5825512" y="2345095"/>
+            <a:ext cx="834508" cy="369332"/>
+          </a:xfrm>
+          <a:prstGeom prst="rect">
+            <a:avLst/>
+          </a:prstGeom>
+          <a:noFill/>
+        </p:spPr>
+        <p:txBody>
+          <a:bodyPr wrap="square" rtlCol="0">
+            <a:spAutoFit/>
+          </a:bodyPr>
+          <a:lstStyle/>
+          <a:p>
+            <a:r>
+              <a:rPr lang="en-US" dirty="0"/>
+              <a:t>clone</a:t>
+            </a:r>
+            <a:endParaRPr lang="en-IL" dirty="0"/>
+          </a:p>
+        </p:txBody>
+      </p:sp>
+    </p:spTree>
+    <p:extLst>
+      <p:ext uri="{BB962C8B-B14F-4D97-AF65-F5344CB8AC3E}">
+        <p14:creationId xmlns:p14="http://schemas.microsoft.com/office/powerpoint/2010/main" val="3345290968"/>
+      </p:ext>
+    </p:extLst>
+  </p:cSld>
+  <p:clrMapOvr>
+    <a:masterClrMapping/>
+  </p:clrMapOvr>
+</p:sld>
+</file>
+
+<file path=ppt/slides/slide7.xml><?xml version="1.0" encoding="utf-8"?>
+<p:sld xmlns:a="http://schemas.openxmlformats.org/drawingml/2006/main" xmlns:r="http://schemas.openxmlformats.org/officeDocument/2006/relationships" xmlns:p="http://schemas.openxmlformats.org/presentationml/2006/main">
+  <p:cSld>
+    <p:spTree>
+      <p:nvGrpSpPr>
+        <p:cNvPr id="1" name=""/>
+        <p:cNvGrpSpPr/>
+        <p:nvPr/>
+      </p:nvGrpSpPr>
+      <p:grpSpPr>
+        <a:xfrm>
+          <a:off x="0" y="0"/>
+          <a:ext cx="0" cy="0"/>
+          <a:chOff x="0" y="0"/>
+          <a:chExt cx="0" cy="0"/>
+        </a:xfrm>
+      </p:grpSpPr>
+      <p:sp>
+        <p:nvSpPr>
+          <p:cNvPr id="4" name="Rectangle: Folded Corner 3">
+            <a:extLst>
+              <a:ext uri="{FF2B5EF4-FFF2-40B4-BE49-F238E27FC236}">
+                <a16:creationId xmlns:a16="http://schemas.microsoft.com/office/drawing/2014/main" id="{9B3711BE-E2F4-452A-AF79-398F793F3BB1}"/>
+              </a:ext>
+            </a:extLst>
+          </p:cNvPr>
+          <p:cNvSpPr/>
+          <p:nvPr/>
+        </p:nvSpPr>
+        <p:spPr>
+          <a:xfrm>
+            <a:off x="6770915" y="3367569"/>
+            <a:ext cx="1069911" cy="1191990"/>
+          </a:xfrm>
+          <a:prstGeom prst="foldedCorner">
+            <a:avLst/>
+          </a:prstGeom>
+          <a:solidFill>
+            <a:srgbClr val="FF0000"/>
+          </a:solidFill>
+        </p:spPr>
+        <p:style>
+          <a:lnRef idx="2">
+            <a:schemeClr val="dk1">
+              <a:shade val="50000"/>
+            </a:schemeClr>
+          </a:lnRef>
+          <a:fillRef idx="1">
+            <a:schemeClr val="dk1"/>
+          </a:fillRef>
+          <a:effectRef idx="0">
+            <a:schemeClr val="dk1"/>
+          </a:effectRef>
+          <a:fontRef idx="minor">
+            <a:schemeClr val="lt1"/>
+          </a:fontRef>
+        </p:style>
+        <p:txBody>
+          <a:bodyPr rtlCol="0" anchor="ctr"/>
+          <a:lstStyle/>
+          <a:p>
+            <a:pPr algn="ctr"/>
+            <a:r>
+              <a:rPr lang="en-US" dirty="0"/>
+              <a:t>Code</a:t>
+            </a:r>
+            <a:endParaRPr lang="en-IL" dirty="0"/>
+          </a:p>
+        </p:txBody>
+      </p:sp>
+      <p:sp>
+        <p:nvSpPr>
+          <p:cNvPr id="5" name="Smiley Face 4">
+            <a:extLst>
+              <a:ext uri="{FF2B5EF4-FFF2-40B4-BE49-F238E27FC236}">
+                <a16:creationId xmlns:a16="http://schemas.microsoft.com/office/drawing/2014/main" id="{4A30884C-0FCF-4D2C-A486-D79E70A01A63}"/>
+              </a:ext>
+            </a:extLst>
+          </p:cNvPr>
+          <p:cNvSpPr/>
+          <p:nvPr/>
+        </p:nvSpPr>
+        <p:spPr>
+          <a:xfrm>
+            <a:off x="161731" y="3551853"/>
+            <a:ext cx="746449" cy="727788"/>
+          </a:xfrm>
+          <a:prstGeom prst="smileyFace">
+            <a:avLst/>
+          </a:prstGeom>
+        </p:spPr>
+        <p:style>
+          <a:lnRef idx="2">
+            <a:schemeClr val="accent1">
+              <a:shade val="50000"/>
+            </a:schemeClr>
+          </a:lnRef>
+          <a:fillRef idx="1">
+            <a:schemeClr val="accent1"/>
+          </a:fillRef>
+          <a:effectRef idx="0">
+            <a:schemeClr val="accent1"/>
+          </a:effectRef>
+          <a:fontRef idx="minor">
+            <a:schemeClr val="lt1"/>
+          </a:fontRef>
+        </p:style>
+        <p:txBody>
+          <a:bodyPr rtlCol="0" anchor="ctr"/>
+          <a:lstStyle/>
+          <a:p>
+            <a:pPr algn="ctr"/>
+            <a:endParaRPr lang="en-IL"/>
+          </a:p>
+        </p:txBody>
+      </p:sp>
+      <p:sp>
+        <p:nvSpPr>
+          <p:cNvPr id="6" name="TextBox 5">
+            <a:extLst>
+              <a:ext uri="{FF2B5EF4-FFF2-40B4-BE49-F238E27FC236}">
+                <a16:creationId xmlns:a16="http://schemas.microsoft.com/office/drawing/2014/main" id="{C31B31D2-9726-4C5E-8BF0-E31F1CE9FCD2}"/>
+              </a:ext>
+            </a:extLst>
+          </p:cNvPr>
+          <p:cNvSpPr txBox="1"/>
+          <p:nvPr/>
+        </p:nvSpPr>
+        <p:spPr>
+          <a:xfrm>
+            <a:off x="49763" y="4559559"/>
+            <a:ext cx="1069910" cy="369332"/>
+          </a:xfrm>
+          <a:prstGeom prst="rect">
+            <a:avLst/>
+          </a:prstGeom>
+          <a:noFill/>
+        </p:spPr>
+        <p:txBody>
+          <a:bodyPr wrap="square" rtlCol="0">
+            <a:spAutoFit/>
+          </a:bodyPr>
+          <a:lstStyle/>
+          <a:p>
+            <a:pPr algn="ctr"/>
+            <a:r>
+              <a:rPr lang="en-US" dirty="0"/>
+              <a:t>me</a:t>
+            </a:r>
+            <a:endParaRPr lang="en-IL" dirty="0"/>
+          </a:p>
+        </p:txBody>
+      </p:sp>
+      <p:sp>
+        <p:nvSpPr>
+          <p:cNvPr id="7" name="Smiley Face 6">
+            <a:extLst>
+              <a:ext uri="{FF2B5EF4-FFF2-40B4-BE49-F238E27FC236}">
+                <a16:creationId xmlns:a16="http://schemas.microsoft.com/office/drawing/2014/main" id="{0BE040ED-9F75-4F09-8C46-A6F32D3FC5F9}"/>
+              </a:ext>
+            </a:extLst>
+          </p:cNvPr>
+          <p:cNvSpPr/>
+          <p:nvPr/>
+        </p:nvSpPr>
+        <p:spPr>
+          <a:xfrm>
+            <a:off x="8382000" y="3704253"/>
+            <a:ext cx="746449" cy="727788"/>
+          </a:xfrm>
+          <a:prstGeom prst="smileyFace">
+            <a:avLst/>
+          </a:prstGeom>
+          <a:solidFill>
+            <a:schemeClr val="accent6">
+              <a:lumMod val="40000"/>
+              <a:lumOff val="60000"/>
+            </a:schemeClr>
+          </a:solidFill>
+        </p:spPr>
+        <p:style>
+          <a:lnRef idx="2">
+            <a:schemeClr val="accent1">
+              <a:shade val="50000"/>
+            </a:schemeClr>
+          </a:lnRef>
+          <a:fillRef idx="1">
+            <a:schemeClr val="accent1"/>
+          </a:fillRef>
+          <a:effectRef idx="0">
+            <a:schemeClr val="accent1"/>
+          </a:effectRef>
+          <a:fontRef idx="minor">
+            <a:schemeClr val="lt1"/>
+          </a:fontRef>
+        </p:style>
+        <p:txBody>
+          <a:bodyPr rtlCol="0" anchor="ctr"/>
+          <a:lstStyle/>
+          <a:p>
+            <a:pPr algn="ctr"/>
+            <a:endParaRPr lang="en-IL" dirty="0">
+              <a:highlight>
+                <a:srgbClr val="FFFF00"/>
+              </a:highlight>
+            </a:endParaRPr>
+          </a:p>
+        </p:txBody>
+      </p:sp>
+      <p:pic>
+        <p:nvPicPr>
+          <p:cNvPr id="9" name="Graphic 8" descr="Send outline">
+            <a:extLst>
+              <a:ext uri="{FF2B5EF4-FFF2-40B4-BE49-F238E27FC236}">
+                <a16:creationId xmlns:a16="http://schemas.microsoft.com/office/drawing/2014/main" id="{542D8129-40C0-4874-871C-51EB9A1666AB}"/>
+              </a:ext>
+            </a:extLst>
+          </p:cNvPr>
+          <p:cNvPicPr>
+            <a:picLocks noChangeAspect="1"/>
+          </p:cNvPicPr>
+          <p:nvPr/>
+        </p:nvPicPr>
+        <p:blipFill>
+          <a:blip r:embed="rId2">
+            <a:extLst>
+              <a:ext uri="{28A0092B-C50C-407E-A947-70E740481C1C}">
+                <a14:useLocalDpi xmlns:a14="http://schemas.microsoft.com/office/drawing/2010/main" val="0"/>
+              </a:ext>
+              <a:ext uri="{96DAC541-7B7A-43D3-8B79-37D633B846F1}">
+                <asvg:svgBlip xmlns:asvg="http://schemas.microsoft.com/office/drawing/2016/SVG/main" r:embed="rId3"/>
+              </a:ext>
+            </a:extLst>
+          </a:blip>
+          <a:stretch>
+            <a:fillRect/>
+          </a:stretch>
+        </p:blipFill>
+        <p:spPr>
+          <a:xfrm>
+            <a:off x="4506687" y="3153747"/>
+            <a:ext cx="914400" cy="914400"/>
+          </a:xfrm>
+          <a:prstGeom prst="rect">
+            <a:avLst/>
+          </a:prstGeom>
+        </p:spPr>
+      </p:pic>
+      <p:pic>
+        <p:nvPicPr>
+          <p:cNvPr id="3" name="Graphic 2" descr="Upload outline">
+            <a:extLst>
+              <a:ext uri="{FF2B5EF4-FFF2-40B4-BE49-F238E27FC236}">
+                <a16:creationId xmlns:a16="http://schemas.microsoft.com/office/drawing/2014/main" id="{6E3ACF3D-77A1-4CF3-9C21-3C4C5C1B1BD9}"/>
+              </a:ext>
+            </a:extLst>
+          </p:cNvPr>
+          <p:cNvPicPr>
+            <a:picLocks noChangeAspect="1"/>
+          </p:cNvPicPr>
+          <p:nvPr/>
+        </p:nvPicPr>
+        <p:blipFill>
+          <a:blip r:embed="rId4">
+            <a:extLst>
+              <a:ext uri="{28A0092B-C50C-407E-A947-70E740481C1C}">
+                <a14:useLocalDpi xmlns:a14="http://schemas.microsoft.com/office/drawing/2010/main" val="0"/>
+              </a:ext>
+              <a:ext uri="{96DAC541-7B7A-43D3-8B79-37D633B846F1}">
+                <asvg:svgBlip xmlns:asvg="http://schemas.microsoft.com/office/drawing/2016/SVG/main" r:embed="rId5"/>
+              </a:ext>
+            </a:extLst>
+          </a:blip>
+          <a:stretch>
+            <a:fillRect/>
+          </a:stretch>
+        </p:blipFill>
+        <p:spPr>
+          <a:xfrm>
+            <a:off x="3592287" y="676469"/>
+            <a:ext cx="1345164" cy="1345164"/>
+          </a:xfrm>
+          <a:prstGeom prst="rect">
+            <a:avLst/>
+          </a:prstGeom>
+        </p:spPr>
+      </p:pic>
+      <p:sp>
+        <p:nvSpPr>
+          <p:cNvPr id="11" name="Rectangle: Folded Corner 10">
+            <a:extLst>
+              <a:ext uri="{FF2B5EF4-FFF2-40B4-BE49-F238E27FC236}">
+                <a16:creationId xmlns:a16="http://schemas.microsoft.com/office/drawing/2014/main" id="{5E73A47C-866A-4ACA-8109-B520D6004C76}"/>
+              </a:ext>
+            </a:extLst>
+          </p:cNvPr>
+          <p:cNvSpPr/>
+          <p:nvPr/>
+        </p:nvSpPr>
+        <p:spPr>
+          <a:xfrm>
+            <a:off x="1172547" y="2998237"/>
+            <a:ext cx="914400" cy="1281404"/>
+          </a:xfrm>
+          <a:prstGeom prst="foldedCorner">
+            <a:avLst/>
+          </a:prstGeom>
+          <a:solidFill>
+            <a:srgbClr val="FF0000"/>
+          </a:solidFill>
+        </p:spPr>
+        <p:style>
+          <a:lnRef idx="2">
+            <a:schemeClr val="dk1">
+              <a:shade val="50000"/>
+            </a:schemeClr>
+          </a:lnRef>
+          <a:fillRef idx="1">
+            <a:schemeClr val="dk1"/>
+          </a:fillRef>
+          <a:effectRef idx="0">
+            <a:schemeClr val="dk1"/>
+          </a:effectRef>
+          <a:fontRef idx="minor">
+            <a:schemeClr val="lt1"/>
+          </a:fontRef>
+        </p:style>
+        <p:txBody>
+          <a:bodyPr rtlCol="0" anchor="ctr"/>
+          <a:lstStyle/>
+          <a:p>
+            <a:pPr algn="ctr"/>
+            <a:r>
+              <a:rPr lang="en-US" dirty="0"/>
+              <a:t>Code</a:t>
+            </a:r>
+            <a:endParaRPr lang="en-IL" dirty="0"/>
+          </a:p>
+        </p:txBody>
+      </p:sp>
+      <p:cxnSp>
+        <p:nvCxnSpPr>
+          <p:cNvPr id="12" name="Straight Arrow Connector 11">
+            <a:extLst>
+              <a:ext uri="{FF2B5EF4-FFF2-40B4-BE49-F238E27FC236}">
+                <a16:creationId xmlns:a16="http://schemas.microsoft.com/office/drawing/2014/main" id="{0E9B3036-DEA8-4233-8A15-E365FA98D11A}"/>
+              </a:ext>
+            </a:extLst>
+          </p:cNvPr>
+          <p:cNvCxnSpPr>
+            <a:cxnSpLocks/>
+            <a:stCxn id="11" idx="3"/>
+            <a:endCxn id="3" idx="2"/>
+          </p:cNvCxnSpPr>
+          <p:nvPr/>
+        </p:nvCxnSpPr>
+        <p:spPr>
+          <a:xfrm flipV="1">
+            <a:off x="2086947" y="2021633"/>
+            <a:ext cx="2177922" cy="1617306"/>
+          </a:xfrm>
+          <a:prstGeom prst="straightConnector1">
+            <a:avLst/>
+          </a:prstGeom>
+          <a:ln>
+            <a:tailEnd type="triangle"/>
+          </a:ln>
+        </p:spPr>
+        <p:style>
+          <a:lnRef idx="1">
+            <a:schemeClr val="accent1"/>
+          </a:lnRef>
+          <a:fillRef idx="0">
+            <a:schemeClr val="accent1"/>
+          </a:fillRef>
+          <a:effectRef idx="0">
+            <a:schemeClr val="accent1"/>
+          </a:effectRef>
+          <a:fontRef idx="minor">
+            <a:schemeClr val="tx1"/>
+          </a:fontRef>
+        </p:style>
+      </p:cxnSp>
+      <p:cxnSp>
+        <p:nvCxnSpPr>
+          <p:cNvPr id="13" name="Straight Arrow Connector 12">
+            <a:extLst>
+              <a:ext uri="{FF2B5EF4-FFF2-40B4-BE49-F238E27FC236}">
+                <a16:creationId xmlns:a16="http://schemas.microsoft.com/office/drawing/2014/main" id="{5D1F1AD8-DEDF-497D-970F-ABE4183241FB}"/>
+              </a:ext>
+            </a:extLst>
+          </p:cNvPr>
+          <p:cNvCxnSpPr>
+            <a:cxnSpLocks/>
+            <a:stCxn id="4" idx="0"/>
+            <a:endCxn id="3" idx="2"/>
+          </p:cNvCxnSpPr>
+          <p:nvPr/>
+        </p:nvCxnSpPr>
+        <p:spPr>
+          <a:xfrm flipH="1" flipV="1">
+            <a:off x="4264869" y="2021633"/>
+            <a:ext cx="3041002" cy="1345936"/>
+          </a:xfrm>
+          <a:prstGeom prst="straightConnector1">
+            <a:avLst/>
+          </a:prstGeom>
+          <a:ln>
+            <a:tailEnd type="triangle"/>
+          </a:ln>
+        </p:spPr>
+        <p:style>
+          <a:lnRef idx="1">
+            <a:schemeClr val="accent1"/>
+          </a:lnRef>
+          <a:fillRef idx="0">
+            <a:schemeClr val="accent1"/>
+          </a:fillRef>
+          <a:effectRef idx="0">
+            <a:schemeClr val="accent1"/>
+          </a:effectRef>
+          <a:fontRef idx="minor">
+            <a:schemeClr val="tx1"/>
+          </a:fontRef>
+        </p:style>
+      </p:cxnSp>
+      <p:sp>
+        <p:nvSpPr>
+          <p:cNvPr id="25" name="TextBox 24">
+            <a:extLst>
+              <a:ext uri="{FF2B5EF4-FFF2-40B4-BE49-F238E27FC236}">
+                <a16:creationId xmlns:a16="http://schemas.microsoft.com/office/drawing/2014/main" id="{EFAE949F-3EE0-46E5-903D-06AB5FD68FA5}"/>
+              </a:ext>
+            </a:extLst>
+          </p:cNvPr>
+          <p:cNvSpPr txBox="1"/>
+          <p:nvPr/>
+        </p:nvSpPr>
+        <p:spPr>
+          <a:xfrm>
+            <a:off x="1331167" y="550116"/>
+            <a:ext cx="2125434" cy="369332"/>
+          </a:xfrm>
+          <a:prstGeom prst="rect">
+            <a:avLst/>
+          </a:prstGeom>
+          <a:noFill/>
+        </p:spPr>
+        <p:txBody>
+          <a:bodyPr wrap="square" rtlCol="0">
+            <a:spAutoFit/>
+          </a:bodyPr>
+          <a:lstStyle/>
+          <a:p>
+            <a:r>
+              <a:rPr lang="en-US" dirty="0"/>
+              <a:t>Git repository</a:t>
+            </a:r>
+            <a:endParaRPr lang="en-IL" dirty="0"/>
+          </a:p>
+        </p:txBody>
+      </p:sp>
+      <p:sp>
+        <p:nvSpPr>
+          <p:cNvPr id="26" name="TextBox 25">
+            <a:extLst>
+              <a:ext uri="{FF2B5EF4-FFF2-40B4-BE49-F238E27FC236}">
+                <a16:creationId xmlns:a16="http://schemas.microsoft.com/office/drawing/2014/main" id="{42B7B6F3-E909-463A-888F-72002CE9E633}"/>
+              </a:ext>
+            </a:extLst>
+          </p:cNvPr>
+          <p:cNvSpPr txBox="1"/>
+          <p:nvPr/>
+        </p:nvSpPr>
+        <p:spPr>
+          <a:xfrm>
+            <a:off x="2788689" y="1215308"/>
+            <a:ext cx="1508058" cy="369332"/>
+          </a:xfrm>
+          <a:prstGeom prst="rect">
+            <a:avLst/>
+          </a:prstGeom>
+          <a:noFill/>
+        </p:spPr>
+        <p:txBody>
+          <a:bodyPr wrap="square" rtlCol="0">
+            <a:spAutoFit/>
+          </a:bodyPr>
+          <a:lstStyle/>
+          <a:p>
+            <a:r>
+              <a:rPr lang="en-US" dirty="0"/>
+              <a:t>remote</a:t>
+            </a:r>
+            <a:endParaRPr lang="en-IL" dirty="0"/>
+          </a:p>
+        </p:txBody>
+      </p:sp>
+      <p:sp>
+        <p:nvSpPr>
+          <p:cNvPr id="27" name="TextBox 26">
+            <a:extLst>
+              <a:ext uri="{FF2B5EF4-FFF2-40B4-BE49-F238E27FC236}">
+                <a16:creationId xmlns:a16="http://schemas.microsoft.com/office/drawing/2014/main" id="{BCFD264E-0EC1-4C84-9979-57B9DA2FD49C}"/>
+              </a:ext>
+            </a:extLst>
+          </p:cNvPr>
+          <p:cNvSpPr txBox="1"/>
+          <p:nvPr/>
+        </p:nvSpPr>
+        <p:spPr>
+          <a:xfrm>
+            <a:off x="1175658" y="4279641"/>
+            <a:ext cx="1508058" cy="369332"/>
+          </a:xfrm>
+          <a:prstGeom prst="rect">
+            <a:avLst/>
+          </a:prstGeom>
+          <a:noFill/>
+        </p:spPr>
+        <p:txBody>
+          <a:bodyPr wrap="square" rtlCol="0">
+            <a:spAutoFit/>
+          </a:bodyPr>
+          <a:lstStyle/>
+          <a:p>
+            <a:r>
+              <a:rPr lang="en-US" dirty="0"/>
+              <a:t>local</a:t>
+            </a:r>
+            <a:endParaRPr lang="en-IL" dirty="0"/>
+          </a:p>
+        </p:txBody>
+      </p:sp>
+      <p:sp>
+        <p:nvSpPr>
+          <p:cNvPr id="28" name="TextBox 27">
+            <a:extLst>
+              <a:ext uri="{FF2B5EF4-FFF2-40B4-BE49-F238E27FC236}">
+                <a16:creationId xmlns:a16="http://schemas.microsoft.com/office/drawing/2014/main" id="{BD7CC8BB-B0CC-4B52-BF89-28D0AEFB9316}"/>
+              </a:ext>
+            </a:extLst>
+          </p:cNvPr>
+          <p:cNvSpPr txBox="1"/>
+          <p:nvPr/>
+        </p:nvSpPr>
+        <p:spPr>
+          <a:xfrm>
+            <a:off x="6671389" y="4479858"/>
+            <a:ext cx="1508058" cy="369332"/>
+          </a:xfrm>
+          <a:prstGeom prst="rect">
+            <a:avLst/>
+          </a:prstGeom>
+          <a:noFill/>
+        </p:spPr>
+        <p:txBody>
+          <a:bodyPr wrap="square" rtlCol="0">
+            <a:spAutoFit/>
+          </a:bodyPr>
+          <a:lstStyle/>
+          <a:p>
+            <a:r>
+              <a:rPr lang="en-US" dirty="0"/>
+              <a:t>local</a:t>
+            </a:r>
+            <a:endParaRPr lang="en-IL" dirty="0"/>
+          </a:p>
+        </p:txBody>
+      </p:sp>
+      <p:sp>
+        <p:nvSpPr>
+          <p:cNvPr id="17" name="Rectangle: Folded Corner 16">
+            <a:extLst>
+              <a:ext uri="{FF2B5EF4-FFF2-40B4-BE49-F238E27FC236}">
+                <a16:creationId xmlns:a16="http://schemas.microsoft.com/office/drawing/2014/main" id="{72AEE134-2A14-4EE3-96BF-F0DD45E608CB}"/>
+              </a:ext>
+            </a:extLst>
+          </p:cNvPr>
+          <p:cNvSpPr/>
+          <p:nvPr/>
+        </p:nvSpPr>
+        <p:spPr>
+          <a:xfrm>
+            <a:off x="2213661" y="2562027"/>
+            <a:ext cx="422985" cy="591720"/>
+          </a:xfrm>
+          <a:prstGeom prst="foldedCorner">
+            <a:avLst/>
+          </a:prstGeom>
+        </p:spPr>
+        <p:style>
+          <a:lnRef idx="2">
+            <a:schemeClr val="accent1">
+              <a:shade val="50000"/>
+            </a:schemeClr>
+          </a:lnRef>
+          <a:fillRef idx="1">
+            <a:schemeClr val="accent1"/>
+          </a:fillRef>
+          <a:effectRef idx="0">
+            <a:schemeClr val="accent1"/>
+          </a:effectRef>
+          <a:fontRef idx="minor">
+            <a:schemeClr val="lt1"/>
+          </a:fontRef>
+        </p:style>
+        <p:txBody>
+          <a:bodyPr rtlCol="0" anchor="ctr"/>
+          <a:lstStyle/>
+          <a:p>
+            <a:pPr algn="ctr"/>
+            <a:r>
+              <a:rPr lang="en-US" sz="800" dirty="0"/>
+              <a:t>Code</a:t>
+            </a:r>
+          </a:p>
+          <a:p>
+            <a:pPr algn="ctr"/>
+            <a:r>
+              <a:rPr lang="en-US" sz="800" dirty="0"/>
+              <a:t>Ver.</a:t>
+            </a:r>
+            <a:endParaRPr lang="en-IL" sz="800" dirty="0"/>
+          </a:p>
+        </p:txBody>
+      </p:sp>
+      <p:sp>
+        <p:nvSpPr>
+          <p:cNvPr id="19" name="TextBox 18">
+            <a:extLst>
+              <a:ext uri="{FF2B5EF4-FFF2-40B4-BE49-F238E27FC236}">
+                <a16:creationId xmlns:a16="http://schemas.microsoft.com/office/drawing/2014/main" id="{D56AFBE2-D99E-452F-91FC-347729275508}"/>
+              </a:ext>
+            </a:extLst>
+          </p:cNvPr>
+          <p:cNvSpPr txBox="1"/>
+          <p:nvPr/>
+        </p:nvSpPr>
+        <p:spPr>
+          <a:xfrm>
+            <a:off x="1929686" y="2169361"/>
+            <a:ext cx="1970509" cy="369332"/>
+          </a:xfrm>
+          <a:prstGeom prst="rect">
+            <a:avLst/>
+          </a:prstGeom>
+          <a:noFill/>
+        </p:spPr>
+        <p:txBody>
+          <a:bodyPr wrap="square" rtlCol="0">
+            <a:spAutoFit/>
+          </a:bodyPr>
+          <a:lstStyle/>
+          <a:p>
+            <a:r>
+              <a:rPr lang="en-US" dirty="0"/>
+              <a:t>Commit (version)</a:t>
+            </a:r>
+            <a:endParaRPr lang="en-IL" dirty="0"/>
+          </a:p>
+        </p:txBody>
+      </p:sp>
+    </p:spTree>
+    <p:extLst>
+      <p:ext uri="{BB962C8B-B14F-4D97-AF65-F5344CB8AC3E}">
+        <p14:creationId xmlns:p14="http://schemas.microsoft.com/office/powerpoint/2010/main" val="1290608214"/>
+      </p:ext>
+    </p:extLst>
+  </p:cSld>
+  <p:clrMapOvr>
+    <a:masterClrMapping/>
+  </p:clrMapOvr>
+</p:sld>
+</file>
+
+<file path=ppt/slides/slide8.xml><?xml version="1.0" encoding="utf-8"?>
+<p:sld xmlns:a="http://schemas.openxmlformats.org/drawingml/2006/main" xmlns:r="http://schemas.openxmlformats.org/officeDocument/2006/relationships" xmlns:p="http://schemas.openxmlformats.org/presentationml/2006/main">
+  <p:cSld>
+    <p:spTree>
+      <p:nvGrpSpPr>
+        <p:cNvPr id="1" name=""/>
+        <p:cNvGrpSpPr/>
+        <p:nvPr/>
+      </p:nvGrpSpPr>
+      <p:grpSpPr>
+        <a:xfrm>
+          <a:off x="0" y="0"/>
+          <a:ext cx="0" cy="0"/>
+          <a:chOff x="0" y="0"/>
+          <a:chExt cx="0" cy="0"/>
+        </a:xfrm>
+      </p:grpSpPr>
+      <p:sp>
+        <p:nvSpPr>
+          <p:cNvPr id="4" name="Rectangle: Folded Corner 3">
+            <a:extLst>
+              <a:ext uri="{FF2B5EF4-FFF2-40B4-BE49-F238E27FC236}">
+                <a16:creationId xmlns:a16="http://schemas.microsoft.com/office/drawing/2014/main" id="{9B3711BE-E2F4-452A-AF79-398F793F3BB1}"/>
+              </a:ext>
+            </a:extLst>
+          </p:cNvPr>
+          <p:cNvSpPr/>
+          <p:nvPr/>
+        </p:nvSpPr>
+        <p:spPr>
+          <a:xfrm>
+            <a:off x="6770915" y="3367569"/>
+            <a:ext cx="1069911" cy="1191990"/>
+          </a:xfrm>
+          <a:prstGeom prst="foldedCorner">
+            <a:avLst/>
+          </a:prstGeom>
+          <a:solidFill>
+            <a:srgbClr val="FF0000"/>
+          </a:solidFill>
+        </p:spPr>
+        <p:style>
+          <a:lnRef idx="2">
+            <a:schemeClr val="dk1">
+              <a:shade val="50000"/>
+            </a:schemeClr>
+          </a:lnRef>
+          <a:fillRef idx="1">
+            <a:schemeClr val="dk1"/>
+          </a:fillRef>
+          <a:effectRef idx="0">
+            <a:schemeClr val="dk1"/>
+          </a:effectRef>
+          <a:fontRef idx="minor">
+            <a:schemeClr val="lt1"/>
+          </a:fontRef>
+        </p:style>
+        <p:txBody>
+          <a:bodyPr rtlCol="0" anchor="ctr"/>
+          <a:lstStyle/>
+          <a:p>
+            <a:pPr algn="ctr"/>
+            <a:r>
+              <a:rPr lang="en-US" dirty="0"/>
+              <a:t>Code</a:t>
+            </a:r>
+            <a:endParaRPr lang="en-IL" dirty="0"/>
+          </a:p>
+        </p:txBody>
+      </p:sp>
+      <p:sp>
+        <p:nvSpPr>
+          <p:cNvPr id="5" name="Smiley Face 4">
+            <a:extLst>
+              <a:ext uri="{FF2B5EF4-FFF2-40B4-BE49-F238E27FC236}">
+                <a16:creationId xmlns:a16="http://schemas.microsoft.com/office/drawing/2014/main" id="{4A30884C-0FCF-4D2C-A486-D79E70A01A63}"/>
+              </a:ext>
+            </a:extLst>
+          </p:cNvPr>
+          <p:cNvSpPr/>
+          <p:nvPr/>
+        </p:nvSpPr>
+        <p:spPr>
+          <a:xfrm>
+            <a:off x="161731" y="3551853"/>
+            <a:ext cx="746449" cy="727788"/>
+          </a:xfrm>
+          <a:prstGeom prst="smileyFace">
+            <a:avLst/>
+          </a:prstGeom>
+        </p:spPr>
+        <p:style>
+          <a:lnRef idx="2">
+            <a:schemeClr val="accent1">
+              <a:shade val="50000"/>
+            </a:schemeClr>
+          </a:lnRef>
+          <a:fillRef idx="1">
+            <a:schemeClr val="accent1"/>
+          </a:fillRef>
+          <a:effectRef idx="0">
+            <a:schemeClr val="accent1"/>
+          </a:effectRef>
+          <a:fontRef idx="minor">
+            <a:schemeClr val="lt1"/>
+          </a:fontRef>
+        </p:style>
+        <p:txBody>
+          <a:bodyPr rtlCol="0" anchor="ctr"/>
+          <a:lstStyle/>
+          <a:p>
+            <a:pPr algn="ctr"/>
+            <a:endParaRPr lang="en-IL"/>
+          </a:p>
+        </p:txBody>
+      </p:sp>
+      <p:sp>
+        <p:nvSpPr>
+          <p:cNvPr id="6" name="TextBox 5">
+            <a:extLst>
+              <a:ext uri="{FF2B5EF4-FFF2-40B4-BE49-F238E27FC236}">
+                <a16:creationId xmlns:a16="http://schemas.microsoft.com/office/drawing/2014/main" id="{C31B31D2-9726-4C5E-8BF0-E31F1CE9FCD2}"/>
+              </a:ext>
+            </a:extLst>
+          </p:cNvPr>
+          <p:cNvSpPr txBox="1"/>
+          <p:nvPr/>
+        </p:nvSpPr>
+        <p:spPr>
+          <a:xfrm>
+            <a:off x="49763" y="4559559"/>
+            <a:ext cx="1069910" cy="369332"/>
+          </a:xfrm>
+          <a:prstGeom prst="rect">
+            <a:avLst/>
+          </a:prstGeom>
+          <a:noFill/>
+        </p:spPr>
+        <p:txBody>
+          <a:bodyPr wrap="square" rtlCol="0">
+            <a:spAutoFit/>
+          </a:bodyPr>
+          <a:lstStyle/>
+          <a:p>
+            <a:pPr algn="ctr"/>
+            <a:r>
+              <a:rPr lang="en-US" dirty="0"/>
+              <a:t>me</a:t>
+            </a:r>
+            <a:endParaRPr lang="en-IL" dirty="0"/>
+          </a:p>
+        </p:txBody>
+      </p:sp>
+      <p:sp>
+        <p:nvSpPr>
+          <p:cNvPr id="7" name="Smiley Face 6">
+            <a:extLst>
+              <a:ext uri="{FF2B5EF4-FFF2-40B4-BE49-F238E27FC236}">
+                <a16:creationId xmlns:a16="http://schemas.microsoft.com/office/drawing/2014/main" id="{0BE040ED-9F75-4F09-8C46-A6F32D3FC5F9}"/>
+              </a:ext>
+            </a:extLst>
+          </p:cNvPr>
+          <p:cNvSpPr/>
+          <p:nvPr/>
+        </p:nvSpPr>
+        <p:spPr>
+          <a:xfrm>
+            <a:off x="8382000" y="3704253"/>
+            <a:ext cx="746449" cy="727788"/>
+          </a:xfrm>
+          <a:prstGeom prst="smileyFace">
+            <a:avLst/>
+          </a:prstGeom>
+          <a:solidFill>
+            <a:schemeClr val="accent6">
+              <a:lumMod val="40000"/>
+              <a:lumOff val="60000"/>
+            </a:schemeClr>
+          </a:solidFill>
+        </p:spPr>
+        <p:style>
+          <a:lnRef idx="2">
+            <a:schemeClr val="accent1">
+              <a:shade val="50000"/>
+            </a:schemeClr>
+          </a:lnRef>
+          <a:fillRef idx="1">
+            <a:schemeClr val="accent1"/>
+          </a:fillRef>
+          <a:effectRef idx="0">
+            <a:schemeClr val="accent1"/>
+          </a:effectRef>
+          <a:fontRef idx="minor">
+            <a:schemeClr val="lt1"/>
+          </a:fontRef>
+        </p:style>
+        <p:txBody>
+          <a:bodyPr rtlCol="0" anchor="ctr"/>
+          <a:lstStyle/>
+          <a:p>
+            <a:pPr algn="ctr"/>
+            <a:endParaRPr lang="en-IL" dirty="0">
+              <a:highlight>
+                <a:srgbClr val="FFFF00"/>
+              </a:highlight>
+            </a:endParaRPr>
+          </a:p>
+        </p:txBody>
+      </p:sp>
+      <p:pic>
+        <p:nvPicPr>
+          <p:cNvPr id="9" name="Graphic 8" descr="Send outline">
+            <a:extLst>
+              <a:ext uri="{FF2B5EF4-FFF2-40B4-BE49-F238E27FC236}">
+                <a16:creationId xmlns:a16="http://schemas.microsoft.com/office/drawing/2014/main" id="{542D8129-40C0-4874-871C-51EB9A1666AB}"/>
+              </a:ext>
+            </a:extLst>
+          </p:cNvPr>
+          <p:cNvPicPr>
+            <a:picLocks noChangeAspect="1"/>
+          </p:cNvPicPr>
+          <p:nvPr/>
+        </p:nvPicPr>
+        <p:blipFill>
+          <a:blip r:embed="rId2">
+            <a:extLst>
+              <a:ext uri="{28A0092B-C50C-407E-A947-70E740481C1C}">
+                <a14:useLocalDpi xmlns:a14="http://schemas.microsoft.com/office/drawing/2010/main" val="0"/>
+              </a:ext>
+              <a:ext uri="{96DAC541-7B7A-43D3-8B79-37D633B846F1}">
+                <asvg:svgBlip xmlns:asvg="http://schemas.microsoft.com/office/drawing/2016/SVG/main" r:embed="rId3"/>
+              </a:ext>
+            </a:extLst>
+          </a:blip>
+          <a:stretch>
+            <a:fillRect/>
+          </a:stretch>
+        </p:blipFill>
+        <p:spPr>
+          <a:xfrm>
+            <a:off x="4506687" y="3153747"/>
+            <a:ext cx="914400" cy="914400"/>
+          </a:xfrm>
+          <a:prstGeom prst="rect">
+            <a:avLst/>
+          </a:prstGeom>
+        </p:spPr>
+      </p:pic>
+      <p:pic>
+        <p:nvPicPr>
+          <p:cNvPr id="3" name="Graphic 2" descr="Upload outline">
+            <a:extLst>
+              <a:ext uri="{FF2B5EF4-FFF2-40B4-BE49-F238E27FC236}">
+                <a16:creationId xmlns:a16="http://schemas.microsoft.com/office/drawing/2014/main" id="{6E3ACF3D-77A1-4CF3-9C21-3C4C5C1B1BD9}"/>
+              </a:ext>
+            </a:extLst>
+          </p:cNvPr>
+          <p:cNvPicPr>
+            <a:picLocks noChangeAspect="1"/>
+          </p:cNvPicPr>
+          <p:nvPr/>
+        </p:nvPicPr>
+        <p:blipFill>
+          <a:blip r:embed="rId4">
+            <a:extLst>
+              <a:ext uri="{28A0092B-C50C-407E-A947-70E740481C1C}">
+                <a14:useLocalDpi xmlns:a14="http://schemas.microsoft.com/office/drawing/2010/main" val="0"/>
+              </a:ext>
+              <a:ext uri="{96DAC541-7B7A-43D3-8B79-37D633B846F1}">
+                <asvg:svgBlip xmlns:asvg="http://schemas.microsoft.com/office/drawing/2016/SVG/main" r:embed="rId5"/>
+              </a:ext>
+            </a:extLst>
+          </a:blip>
+          <a:stretch>
+            <a:fillRect/>
+          </a:stretch>
+        </p:blipFill>
+        <p:spPr>
+          <a:xfrm>
+            <a:off x="3592287" y="676469"/>
+            <a:ext cx="1345164" cy="1345164"/>
+          </a:xfrm>
+          <a:prstGeom prst="rect">
+            <a:avLst/>
+          </a:prstGeom>
+        </p:spPr>
+      </p:pic>
+      <p:sp>
+        <p:nvSpPr>
+          <p:cNvPr id="11" name="Rectangle: Folded Corner 10">
+            <a:extLst>
+              <a:ext uri="{FF2B5EF4-FFF2-40B4-BE49-F238E27FC236}">
+                <a16:creationId xmlns:a16="http://schemas.microsoft.com/office/drawing/2014/main" id="{5E73A47C-866A-4ACA-8109-B520D6004C76}"/>
+              </a:ext>
+            </a:extLst>
+          </p:cNvPr>
+          <p:cNvSpPr/>
+          <p:nvPr/>
+        </p:nvSpPr>
+        <p:spPr>
+          <a:xfrm>
+            <a:off x="1172547" y="2998237"/>
+            <a:ext cx="914400" cy="1281404"/>
+          </a:xfrm>
+          <a:prstGeom prst="foldedCorner">
+            <a:avLst/>
+          </a:prstGeom>
+          <a:solidFill>
+            <a:srgbClr val="FF0000"/>
+          </a:solidFill>
+        </p:spPr>
+        <p:style>
+          <a:lnRef idx="2">
+            <a:schemeClr val="dk1">
+              <a:shade val="50000"/>
+            </a:schemeClr>
+          </a:lnRef>
+          <a:fillRef idx="1">
+            <a:schemeClr val="dk1"/>
+          </a:fillRef>
+          <a:effectRef idx="0">
+            <a:schemeClr val="dk1"/>
+          </a:effectRef>
+          <a:fontRef idx="minor">
+            <a:schemeClr val="lt1"/>
+          </a:fontRef>
+        </p:style>
+        <p:txBody>
+          <a:bodyPr rtlCol="0" anchor="ctr"/>
+          <a:lstStyle/>
+          <a:p>
+            <a:pPr algn="ctr"/>
+            <a:r>
+              <a:rPr lang="en-US" dirty="0"/>
+              <a:t>Code</a:t>
+            </a:r>
+            <a:endParaRPr lang="en-IL" dirty="0"/>
+          </a:p>
+        </p:txBody>
+      </p:sp>
+      <p:cxnSp>
+        <p:nvCxnSpPr>
+          <p:cNvPr id="12" name="Straight Arrow Connector 11">
+            <a:extLst>
+              <a:ext uri="{FF2B5EF4-FFF2-40B4-BE49-F238E27FC236}">
+                <a16:creationId xmlns:a16="http://schemas.microsoft.com/office/drawing/2014/main" id="{0E9B3036-DEA8-4233-8A15-E365FA98D11A}"/>
+              </a:ext>
+            </a:extLst>
+          </p:cNvPr>
+          <p:cNvCxnSpPr>
+            <a:cxnSpLocks/>
+            <a:stCxn id="11" idx="3"/>
+            <a:endCxn id="3" idx="2"/>
+          </p:cNvCxnSpPr>
+          <p:nvPr/>
+        </p:nvCxnSpPr>
+        <p:spPr>
+          <a:xfrm flipV="1">
+            <a:off x="2086947" y="2021633"/>
+            <a:ext cx="2177922" cy="1617306"/>
+          </a:xfrm>
+          <a:prstGeom prst="straightConnector1">
+            <a:avLst/>
+          </a:prstGeom>
+          <a:ln>
+            <a:tailEnd type="triangle"/>
+          </a:ln>
+        </p:spPr>
+        <p:style>
+          <a:lnRef idx="1">
+            <a:schemeClr val="accent1"/>
+          </a:lnRef>
+          <a:fillRef idx="0">
+            <a:schemeClr val="accent1"/>
+          </a:fillRef>
+          <a:effectRef idx="0">
+            <a:schemeClr val="accent1"/>
+          </a:effectRef>
+          <a:fontRef idx="minor">
+            <a:schemeClr val="tx1"/>
+          </a:fontRef>
+        </p:style>
+      </p:cxnSp>
+      <p:cxnSp>
+        <p:nvCxnSpPr>
+          <p:cNvPr id="13" name="Straight Arrow Connector 12">
+            <a:extLst>
+              <a:ext uri="{FF2B5EF4-FFF2-40B4-BE49-F238E27FC236}">
+                <a16:creationId xmlns:a16="http://schemas.microsoft.com/office/drawing/2014/main" id="{5D1F1AD8-DEDF-497D-970F-ABE4183241FB}"/>
+              </a:ext>
+            </a:extLst>
+          </p:cNvPr>
+          <p:cNvCxnSpPr>
+            <a:cxnSpLocks/>
+            <a:stCxn id="4" idx="0"/>
+            <a:endCxn id="3" idx="2"/>
+          </p:cNvCxnSpPr>
+          <p:nvPr/>
+        </p:nvCxnSpPr>
+        <p:spPr>
+          <a:xfrm flipH="1" flipV="1">
+            <a:off x="4264869" y="2021633"/>
+            <a:ext cx="3041002" cy="1345936"/>
+          </a:xfrm>
+          <a:prstGeom prst="straightConnector1">
+            <a:avLst/>
+          </a:prstGeom>
+          <a:ln>
+            <a:tailEnd type="triangle"/>
+          </a:ln>
+        </p:spPr>
+        <p:style>
+          <a:lnRef idx="1">
+            <a:schemeClr val="accent1"/>
+          </a:lnRef>
+          <a:fillRef idx="0">
+            <a:schemeClr val="accent1"/>
+          </a:fillRef>
+          <a:effectRef idx="0">
+            <a:schemeClr val="accent1"/>
+          </a:effectRef>
+          <a:fontRef idx="minor">
+            <a:schemeClr val="tx1"/>
+          </a:fontRef>
+        </p:style>
+      </p:cxnSp>
+      <p:sp>
+        <p:nvSpPr>
+          <p:cNvPr id="25" name="TextBox 24">
+            <a:extLst>
+              <a:ext uri="{FF2B5EF4-FFF2-40B4-BE49-F238E27FC236}">
+                <a16:creationId xmlns:a16="http://schemas.microsoft.com/office/drawing/2014/main" id="{EFAE949F-3EE0-46E5-903D-06AB5FD68FA5}"/>
+              </a:ext>
+            </a:extLst>
+          </p:cNvPr>
+          <p:cNvSpPr txBox="1"/>
+          <p:nvPr/>
+        </p:nvSpPr>
+        <p:spPr>
+          <a:xfrm>
+            <a:off x="1331167" y="550116"/>
+            <a:ext cx="2125434" cy="369332"/>
+          </a:xfrm>
+          <a:prstGeom prst="rect">
+            <a:avLst/>
+          </a:prstGeom>
+          <a:noFill/>
+        </p:spPr>
+        <p:txBody>
+          <a:bodyPr wrap="square" rtlCol="0">
+            <a:spAutoFit/>
+          </a:bodyPr>
+          <a:lstStyle/>
+          <a:p>
+            <a:r>
+              <a:rPr lang="en-US" dirty="0"/>
+              <a:t>Git repository</a:t>
+            </a:r>
+            <a:endParaRPr lang="en-IL" dirty="0"/>
+          </a:p>
+        </p:txBody>
+      </p:sp>
+      <p:sp>
+        <p:nvSpPr>
+          <p:cNvPr id="26" name="TextBox 25">
+            <a:extLst>
+              <a:ext uri="{FF2B5EF4-FFF2-40B4-BE49-F238E27FC236}">
+                <a16:creationId xmlns:a16="http://schemas.microsoft.com/office/drawing/2014/main" id="{42B7B6F3-E909-463A-888F-72002CE9E633}"/>
+              </a:ext>
+            </a:extLst>
+          </p:cNvPr>
+          <p:cNvSpPr txBox="1"/>
+          <p:nvPr/>
+        </p:nvSpPr>
+        <p:spPr>
+          <a:xfrm>
+            <a:off x="2788689" y="1215308"/>
+            <a:ext cx="1508058" cy="369332"/>
+          </a:xfrm>
+          <a:prstGeom prst="rect">
+            <a:avLst/>
+          </a:prstGeom>
+          <a:noFill/>
+        </p:spPr>
+        <p:txBody>
+          <a:bodyPr wrap="square" rtlCol="0">
+            <a:spAutoFit/>
+          </a:bodyPr>
+          <a:lstStyle/>
+          <a:p>
+            <a:r>
+              <a:rPr lang="en-US" dirty="0"/>
+              <a:t>remote</a:t>
+            </a:r>
+            <a:endParaRPr lang="en-IL" dirty="0"/>
+          </a:p>
+        </p:txBody>
+      </p:sp>
+      <p:sp>
+        <p:nvSpPr>
+          <p:cNvPr id="27" name="TextBox 26">
+            <a:extLst>
+              <a:ext uri="{FF2B5EF4-FFF2-40B4-BE49-F238E27FC236}">
+                <a16:creationId xmlns:a16="http://schemas.microsoft.com/office/drawing/2014/main" id="{BCFD264E-0EC1-4C84-9979-57B9DA2FD49C}"/>
+              </a:ext>
+            </a:extLst>
+          </p:cNvPr>
+          <p:cNvSpPr txBox="1"/>
+          <p:nvPr/>
+        </p:nvSpPr>
+        <p:spPr>
+          <a:xfrm>
+            <a:off x="1175658" y="4279641"/>
+            <a:ext cx="1508058" cy="369332"/>
+          </a:xfrm>
+          <a:prstGeom prst="rect">
+            <a:avLst/>
+          </a:prstGeom>
+          <a:noFill/>
+        </p:spPr>
+        <p:txBody>
+          <a:bodyPr wrap="square" rtlCol="0">
+            <a:spAutoFit/>
+          </a:bodyPr>
+          <a:lstStyle/>
+          <a:p>
+            <a:r>
+              <a:rPr lang="en-US" dirty="0"/>
+              <a:t>local</a:t>
+            </a:r>
+            <a:endParaRPr lang="en-IL" dirty="0"/>
+          </a:p>
+        </p:txBody>
+      </p:sp>
+      <p:sp>
+        <p:nvSpPr>
+          <p:cNvPr id="28" name="TextBox 27">
+            <a:extLst>
+              <a:ext uri="{FF2B5EF4-FFF2-40B4-BE49-F238E27FC236}">
+                <a16:creationId xmlns:a16="http://schemas.microsoft.com/office/drawing/2014/main" id="{BD7CC8BB-B0CC-4B52-BF89-28D0AEFB9316}"/>
+              </a:ext>
+            </a:extLst>
+          </p:cNvPr>
+          <p:cNvSpPr txBox="1"/>
+          <p:nvPr/>
+        </p:nvSpPr>
+        <p:spPr>
+          <a:xfrm>
+            <a:off x="6671389" y="4479858"/>
+            <a:ext cx="1508058" cy="369332"/>
+          </a:xfrm>
+          <a:prstGeom prst="rect">
+            <a:avLst/>
+          </a:prstGeom>
+          <a:noFill/>
+        </p:spPr>
+        <p:txBody>
+          <a:bodyPr wrap="square" rtlCol="0">
+            <a:spAutoFit/>
+          </a:bodyPr>
+          <a:lstStyle/>
+          <a:p>
+            <a:r>
+              <a:rPr lang="en-US" dirty="0"/>
+              <a:t>local</a:t>
+            </a:r>
+            <a:endParaRPr lang="en-IL" dirty="0"/>
+          </a:p>
+        </p:txBody>
+      </p:sp>
+      <p:sp>
+        <p:nvSpPr>
+          <p:cNvPr id="17" name="Rectangle: Folded Corner 16">
+            <a:extLst>
+              <a:ext uri="{FF2B5EF4-FFF2-40B4-BE49-F238E27FC236}">
+                <a16:creationId xmlns:a16="http://schemas.microsoft.com/office/drawing/2014/main" id="{72AEE134-2A14-4EE3-96BF-F0DD45E608CB}"/>
+              </a:ext>
+            </a:extLst>
+          </p:cNvPr>
+          <p:cNvSpPr/>
+          <p:nvPr/>
+        </p:nvSpPr>
+        <p:spPr>
+          <a:xfrm>
+            <a:off x="3687898" y="1349051"/>
+            <a:ext cx="422985" cy="591720"/>
+          </a:xfrm>
+          <a:prstGeom prst="foldedCorner">
+            <a:avLst/>
+          </a:prstGeom>
+        </p:spPr>
+        <p:style>
+          <a:lnRef idx="2">
+            <a:schemeClr val="accent1">
+              <a:shade val="50000"/>
+            </a:schemeClr>
+          </a:lnRef>
+          <a:fillRef idx="1">
+            <a:schemeClr val="accent1"/>
+          </a:fillRef>
+          <a:effectRef idx="0">
+            <a:schemeClr val="accent1"/>
+          </a:effectRef>
+          <a:fontRef idx="minor">
+            <a:schemeClr val="lt1"/>
+          </a:fontRef>
+        </p:style>
+        <p:txBody>
+          <a:bodyPr rtlCol="0" anchor="ctr"/>
+          <a:lstStyle/>
+          <a:p>
+            <a:pPr algn="ctr"/>
+            <a:r>
+              <a:rPr lang="en-US" sz="800" dirty="0"/>
+              <a:t>Code</a:t>
+            </a:r>
+          </a:p>
+          <a:p>
+            <a:pPr algn="ctr"/>
+            <a:r>
+              <a:rPr lang="en-US" sz="800" dirty="0"/>
+              <a:t>Ver.</a:t>
+            </a:r>
+            <a:endParaRPr lang="en-IL" sz="800" dirty="0"/>
+          </a:p>
+        </p:txBody>
+      </p:sp>
+      <p:sp>
+        <p:nvSpPr>
+          <p:cNvPr id="19" name="TextBox 18">
+            <a:extLst>
+              <a:ext uri="{FF2B5EF4-FFF2-40B4-BE49-F238E27FC236}">
+                <a16:creationId xmlns:a16="http://schemas.microsoft.com/office/drawing/2014/main" id="{D56AFBE2-D99E-452F-91FC-347729275508}"/>
+              </a:ext>
+            </a:extLst>
+          </p:cNvPr>
+          <p:cNvSpPr txBox="1"/>
+          <p:nvPr/>
+        </p:nvSpPr>
+        <p:spPr>
+          <a:xfrm rot="19293568">
+            <a:off x="2429195" y="2300852"/>
+            <a:ext cx="1508058" cy="369332"/>
+          </a:xfrm>
+          <a:prstGeom prst="rect">
+            <a:avLst/>
+          </a:prstGeom>
+          <a:noFill/>
+        </p:spPr>
+        <p:txBody>
+          <a:bodyPr wrap="square" rtlCol="0">
+            <a:spAutoFit/>
+          </a:bodyPr>
+          <a:lstStyle/>
+          <a:p>
+            <a:r>
+              <a:rPr lang="en-US" dirty="0"/>
+              <a:t>push</a:t>
+            </a:r>
+            <a:endParaRPr lang="en-IL" dirty="0"/>
+          </a:p>
+        </p:txBody>
+      </p:sp>
+    </p:spTree>
+    <p:extLst>
+      <p:ext uri="{BB962C8B-B14F-4D97-AF65-F5344CB8AC3E}">
+        <p14:creationId xmlns:p14="http://schemas.microsoft.com/office/powerpoint/2010/main" val="3868852077"/>
+      </p:ext>
+    </p:extLst>
+  </p:cSld>
+  <p:clrMapOvr>
+    <a:masterClrMapping/>
+  </p:clrMapOvr>
+</p:sld>
+</file>
+
+<file path=ppt/slides/slide9.xml><?xml version="1.0" encoding="utf-8"?>
+<p:sld xmlns:a="http://schemas.openxmlformats.org/drawingml/2006/main" xmlns:r="http://schemas.openxmlformats.org/officeDocument/2006/relationships" xmlns:p="http://schemas.openxmlformats.org/presentationml/2006/main">
+  <p:cSld>
+    <p:spTree>
+      <p:nvGrpSpPr>
+        <p:cNvPr id="1" name=""/>
+        <p:cNvGrpSpPr/>
+        <p:nvPr/>
+      </p:nvGrpSpPr>
+      <p:grpSpPr>
+        <a:xfrm>
+          <a:off x="0" y="0"/>
+          <a:ext cx="0" cy="0"/>
+          <a:chOff x="0" y="0"/>
+          <a:chExt cx="0" cy="0"/>
+        </a:xfrm>
+      </p:grpSpPr>
+      <p:sp>
+        <p:nvSpPr>
+          <p:cNvPr id="4" name="Rectangle: Folded Corner 3">
+            <a:extLst>
+              <a:ext uri="{FF2B5EF4-FFF2-40B4-BE49-F238E27FC236}">
+                <a16:creationId xmlns:a16="http://schemas.microsoft.com/office/drawing/2014/main" id="{9B3711BE-E2F4-452A-AF79-398F793F3BB1}"/>
+              </a:ext>
+            </a:extLst>
+          </p:cNvPr>
+          <p:cNvSpPr/>
+          <p:nvPr/>
+        </p:nvSpPr>
+        <p:spPr>
+          <a:xfrm>
+            <a:off x="6770915" y="3367569"/>
+            <a:ext cx="1069911" cy="1191990"/>
+          </a:xfrm>
+          <a:prstGeom prst="foldedCorner">
+            <a:avLst/>
+          </a:prstGeom>
+          <a:solidFill>
+            <a:srgbClr val="FF0000"/>
+          </a:solidFill>
+        </p:spPr>
+        <p:style>
+          <a:lnRef idx="2">
+            <a:schemeClr val="dk1">
+              <a:shade val="50000"/>
+            </a:schemeClr>
+          </a:lnRef>
+          <a:fillRef idx="1">
+            <a:schemeClr val="dk1"/>
+          </a:fillRef>
+          <a:effectRef idx="0">
+            <a:schemeClr val="dk1"/>
+          </a:effectRef>
+          <a:fontRef idx="minor">
+            <a:schemeClr val="lt1"/>
+          </a:fontRef>
+        </p:style>
+        <p:txBody>
+          <a:bodyPr rtlCol="0" anchor="ctr"/>
+          <a:lstStyle/>
+          <a:p>
+            <a:pPr algn="ctr"/>
+            <a:r>
+              <a:rPr lang="en-US" dirty="0"/>
+              <a:t>Code</a:t>
+            </a:r>
+            <a:endParaRPr lang="en-IL" dirty="0"/>
+          </a:p>
+        </p:txBody>
+      </p:sp>
+      <p:sp>
+        <p:nvSpPr>
+          <p:cNvPr id="5" name="Smiley Face 4">
+            <a:extLst>
+              <a:ext uri="{FF2B5EF4-FFF2-40B4-BE49-F238E27FC236}">
+                <a16:creationId xmlns:a16="http://schemas.microsoft.com/office/drawing/2014/main" id="{4A30884C-0FCF-4D2C-A486-D79E70A01A63}"/>
+              </a:ext>
+            </a:extLst>
+          </p:cNvPr>
+          <p:cNvSpPr/>
+          <p:nvPr/>
+        </p:nvSpPr>
+        <p:spPr>
+          <a:xfrm>
+            <a:off x="161731" y="3551853"/>
+            <a:ext cx="746449" cy="727788"/>
+          </a:xfrm>
+          <a:prstGeom prst="smileyFace">
+            <a:avLst/>
+          </a:prstGeom>
+        </p:spPr>
+        <p:style>
+          <a:lnRef idx="2">
+            <a:schemeClr val="accent1">
+              <a:shade val="50000"/>
+            </a:schemeClr>
+          </a:lnRef>
+          <a:fillRef idx="1">
+            <a:schemeClr val="accent1"/>
+          </a:fillRef>
+          <a:effectRef idx="0">
+            <a:schemeClr val="accent1"/>
+          </a:effectRef>
+          <a:fontRef idx="minor">
+            <a:schemeClr val="lt1"/>
+          </a:fontRef>
+        </p:style>
+        <p:txBody>
+          <a:bodyPr rtlCol="0" anchor="ctr"/>
+          <a:lstStyle/>
+          <a:p>
+            <a:pPr algn="ctr"/>
+            <a:endParaRPr lang="en-IL"/>
+          </a:p>
+        </p:txBody>
+      </p:sp>
+      <p:sp>
+        <p:nvSpPr>
+          <p:cNvPr id="6" name="TextBox 5">
+            <a:extLst>
+              <a:ext uri="{FF2B5EF4-FFF2-40B4-BE49-F238E27FC236}">
+                <a16:creationId xmlns:a16="http://schemas.microsoft.com/office/drawing/2014/main" id="{C31B31D2-9726-4C5E-8BF0-E31F1CE9FCD2}"/>
+              </a:ext>
+            </a:extLst>
+          </p:cNvPr>
+          <p:cNvSpPr txBox="1"/>
+          <p:nvPr/>
+        </p:nvSpPr>
+        <p:spPr>
+          <a:xfrm>
+            <a:off x="49763" y="4559559"/>
+            <a:ext cx="1069910" cy="369332"/>
+          </a:xfrm>
+          <a:prstGeom prst="rect">
+            <a:avLst/>
+          </a:prstGeom>
+          <a:noFill/>
+        </p:spPr>
+        <p:txBody>
+          <a:bodyPr wrap="square" rtlCol="0">
+            <a:spAutoFit/>
+          </a:bodyPr>
+          <a:lstStyle/>
+          <a:p>
+            <a:pPr algn="ctr"/>
+            <a:r>
+              <a:rPr lang="en-US" dirty="0"/>
+              <a:t>me</a:t>
+            </a:r>
+            <a:endParaRPr lang="en-IL" dirty="0"/>
+          </a:p>
+        </p:txBody>
+      </p:sp>
+      <p:sp>
+        <p:nvSpPr>
+          <p:cNvPr id="7" name="Smiley Face 6">
+            <a:extLst>
+              <a:ext uri="{FF2B5EF4-FFF2-40B4-BE49-F238E27FC236}">
+                <a16:creationId xmlns:a16="http://schemas.microsoft.com/office/drawing/2014/main" id="{0BE040ED-9F75-4F09-8C46-A6F32D3FC5F9}"/>
+              </a:ext>
+            </a:extLst>
+          </p:cNvPr>
+          <p:cNvSpPr/>
+          <p:nvPr/>
+        </p:nvSpPr>
+        <p:spPr>
+          <a:xfrm>
+            <a:off x="8382000" y="3704253"/>
+            <a:ext cx="746449" cy="727788"/>
+          </a:xfrm>
+          <a:prstGeom prst="smileyFace">
+            <a:avLst/>
+          </a:prstGeom>
+          <a:solidFill>
+            <a:schemeClr val="accent6">
+              <a:lumMod val="40000"/>
+              <a:lumOff val="60000"/>
+            </a:schemeClr>
+          </a:solidFill>
+        </p:spPr>
+        <p:style>
+          <a:lnRef idx="2">
+            <a:schemeClr val="accent1">
+              <a:shade val="50000"/>
+            </a:schemeClr>
+          </a:lnRef>
+          <a:fillRef idx="1">
+            <a:schemeClr val="accent1"/>
+          </a:fillRef>
+          <a:effectRef idx="0">
+            <a:schemeClr val="accent1"/>
+          </a:effectRef>
+          <a:fontRef idx="minor">
+            <a:schemeClr val="lt1"/>
+          </a:fontRef>
+        </p:style>
+        <p:txBody>
+          <a:bodyPr rtlCol="0" anchor="ctr"/>
+          <a:lstStyle/>
+          <a:p>
+            <a:pPr algn="ctr"/>
+            <a:endParaRPr lang="en-IL" dirty="0">
+              <a:highlight>
+                <a:srgbClr val="FFFF00"/>
+              </a:highlight>
+            </a:endParaRPr>
+          </a:p>
+        </p:txBody>
+      </p:sp>
+      <p:pic>
+        <p:nvPicPr>
+          <p:cNvPr id="9" name="Graphic 8" descr="Send outline">
+            <a:extLst>
+              <a:ext uri="{FF2B5EF4-FFF2-40B4-BE49-F238E27FC236}">
+                <a16:creationId xmlns:a16="http://schemas.microsoft.com/office/drawing/2014/main" id="{542D8129-40C0-4874-871C-51EB9A1666AB}"/>
+              </a:ext>
+            </a:extLst>
+          </p:cNvPr>
+          <p:cNvPicPr>
+            <a:picLocks noChangeAspect="1"/>
+          </p:cNvPicPr>
+          <p:nvPr/>
+        </p:nvPicPr>
+        <p:blipFill>
+          <a:blip r:embed="rId2">
+            <a:extLst>
+              <a:ext uri="{28A0092B-C50C-407E-A947-70E740481C1C}">
+                <a14:useLocalDpi xmlns:a14="http://schemas.microsoft.com/office/drawing/2010/main" val="0"/>
+              </a:ext>
+              <a:ext uri="{96DAC541-7B7A-43D3-8B79-37D633B846F1}">
+                <asvg:svgBlip xmlns:asvg="http://schemas.microsoft.com/office/drawing/2016/SVG/main" r:embed="rId3"/>
+              </a:ext>
+            </a:extLst>
+          </a:blip>
+          <a:stretch>
+            <a:fillRect/>
+          </a:stretch>
+        </p:blipFill>
+        <p:spPr>
+          <a:xfrm>
+            <a:off x="4506687" y="3153747"/>
+            <a:ext cx="914400" cy="914400"/>
+          </a:xfrm>
+          <a:prstGeom prst="rect">
+            <a:avLst/>
+          </a:prstGeom>
+        </p:spPr>
+      </p:pic>
+      <p:pic>
+        <p:nvPicPr>
+          <p:cNvPr id="3" name="Graphic 2" descr="Upload outline">
+            <a:extLst>
+              <a:ext uri="{FF2B5EF4-FFF2-40B4-BE49-F238E27FC236}">
+                <a16:creationId xmlns:a16="http://schemas.microsoft.com/office/drawing/2014/main" id="{6E3ACF3D-77A1-4CF3-9C21-3C4C5C1B1BD9}"/>
+              </a:ext>
+            </a:extLst>
+          </p:cNvPr>
+          <p:cNvPicPr>
+            <a:picLocks noChangeAspect="1"/>
+          </p:cNvPicPr>
+          <p:nvPr/>
+        </p:nvPicPr>
+        <p:blipFill>
+          <a:blip r:embed="rId4">
+            <a:extLst>
+              <a:ext uri="{28A0092B-C50C-407E-A947-70E740481C1C}">
+                <a14:useLocalDpi xmlns:a14="http://schemas.microsoft.com/office/drawing/2010/main" val="0"/>
+              </a:ext>
+              <a:ext uri="{96DAC541-7B7A-43D3-8B79-37D633B846F1}">
+                <asvg:svgBlip xmlns:asvg="http://schemas.microsoft.com/office/drawing/2016/SVG/main" r:embed="rId5"/>
+              </a:ext>
+            </a:extLst>
+          </a:blip>
+          <a:stretch>
+            <a:fillRect/>
+          </a:stretch>
+        </p:blipFill>
+        <p:spPr>
+          <a:xfrm>
+            <a:off x="3592287" y="676469"/>
+            <a:ext cx="1345164" cy="1345164"/>
+          </a:xfrm>
+          <a:prstGeom prst="rect">
+            <a:avLst/>
+          </a:prstGeom>
+        </p:spPr>
+      </p:pic>
+      <p:sp>
+        <p:nvSpPr>
+          <p:cNvPr id="11" name="Rectangle: Folded Corner 10">
+            <a:extLst>
+              <a:ext uri="{FF2B5EF4-FFF2-40B4-BE49-F238E27FC236}">
+                <a16:creationId xmlns:a16="http://schemas.microsoft.com/office/drawing/2014/main" id="{5E73A47C-866A-4ACA-8109-B520D6004C76}"/>
+              </a:ext>
+            </a:extLst>
+          </p:cNvPr>
+          <p:cNvSpPr/>
+          <p:nvPr/>
+        </p:nvSpPr>
+        <p:spPr>
+          <a:xfrm>
+            <a:off x="1172547" y="2998237"/>
+            <a:ext cx="914400" cy="1281404"/>
+          </a:xfrm>
+          <a:prstGeom prst="foldedCorner">
+            <a:avLst/>
+          </a:prstGeom>
+          <a:solidFill>
+            <a:srgbClr val="FF0000"/>
+          </a:solidFill>
+        </p:spPr>
+        <p:style>
+          <a:lnRef idx="2">
+            <a:schemeClr val="dk1">
+              <a:shade val="50000"/>
+            </a:schemeClr>
+          </a:lnRef>
+          <a:fillRef idx="1">
+            <a:schemeClr val="dk1"/>
+          </a:fillRef>
+          <a:effectRef idx="0">
+            <a:schemeClr val="dk1"/>
+          </a:effectRef>
+          <a:fontRef idx="minor">
+            <a:schemeClr val="lt1"/>
+          </a:fontRef>
+        </p:style>
+        <p:txBody>
+          <a:bodyPr rtlCol="0" anchor="ctr"/>
+          <a:lstStyle/>
+          <a:p>
+            <a:pPr algn="ctr"/>
+            <a:r>
+              <a:rPr lang="en-US" dirty="0"/>
+              <a:t>Code</a:t>
+            </a:r>
+            <a:endParaRPr lang="en-IL" dirty="0"/>
+          </a:p>
+        </p:txBody>
+      </p:sp>
+      <p:cxnSp>
+        <p:nvCxnSpPr>
+          <p:cNvPr id="12" name="Straight Arrow Connector 11">
+            <a:extLst>
+              <a:ext uri="{FF2B5EF4-FFF2-40B4-BE49-F238E27FC236}">
+                <a16:creationId xmlns:a16="http://schemas.microsoft.com/office/drawing/2014/main" id="{0E9B3036-DEA8-4233-8A15-E365FA98D11A}"/>
+              </a:ext>
+            </a:extLst>
+          </p:cNvPr>
+          <p:cNvCxnSpPr>
+            <a:cxnSpLocks/>
+            <a:stCxn id="11" idx="3"/>
+            <a:endCxn id="3" idx="2"/>
+          </p:cNvCxnSpPr>
+          <p:nvPr/>
+        </p:nvCxnSpPr>
+        <p:spPr>
+          <a:xfrm flipV="1">
+            <a:off x="2086947" y="2021633"/>
+            <a:ext cx="2177922" cy="1617306"/>
+          </a:xfrm>
+          <a:prstGeom prst="straightConnector1">
+            <a:avLst/>
+          </a:prstGeom>
+          <a:ln>
+            <a:tailEnd type="triangle"/>
+          </a:ln>
+        </p:spPr>
+        <p:style>
+          <a:lnRef idx="1">
+            <a:schemeClr val="accent1"/>
+          </a:lnRef>
+          <a:fillRef idx="0">
+            <a:schemeClr val="accent1"/>
+          </a:fillRef>
+          <a:effectRef idx="0">
+            <a:schemeClr val="accent1"/>
+          </a:effectRef>
+          <a:fontRef idx="minor">
+            <a:schemeClr val="tx1"/>
+          </a:fontRef>
+        </p:style>
+      </p:cxnSp>
+      <p:cxnSp>
+        <p:nvCxnSpPr>
+          <p:cNvPr id="13" name="Straight Arrow Connector 12">
+            <a:extLst>
+              <a:ext uri="{FF2B5EF4-FFF2-40B4-BE49-F238E27FC236}">
+                <a16:creationId xmlns:a16="http://schemas.microsoft.com/office/drawing/2014/main" id="{5D1F1AD8-DEDF-497D-970F-ABE4183241FB}"/>
+              </a:ext>
+            </a:extLst>
+          </p:cNvPr>
+          <p:cNvCxnSpPr>
+            <a:cxnSpLocks/>
+            <a:stCxn id="4" idx="0"/>
+            <a:endCxn id="3" idx="2"/>
+          </p:cNvCxnSpPr>
+          <p:nvPr/>
+        </p:nvCxnSpPr>
+        <p:spPr>
+          <a:xfrm flipH="1" flipV="1">
+            <a:off x="4264869" y="2021633"/>
+            <a:ext cx="3041002" cy="1345936"/>
+          </a:xfrm>
+          <a:prstGeom prst="straightConnector1">
+            <a:avLst/>
+          </a:prstGeom>
+          <a:ln>
+            <a:tailEnd type="triangle"/>
+          </a:ln>
+        </p:spPr>
+        <p:style>
+          <a:lnRef idx="1">
+            <a:schemeClr val="accent1"/>
+          </a:lnRef>
+          <a:fillRef idx="0">
+            <a:schemeClr val="accent1"/>
+          </a:fillRef>
+          <a:effectRef idx="0">
+            <a:schemeClr val="accent1"/>
+          </a:effectRef>
+          <a:fontRef idx="minor">
+            <a:schemeClr val="tx1"/>
+          </a:fontRef>
+        </p:style>
+      </p:cxnSp>
+      <p:sp>
+        <p:nvSpPr>
+          <p:cNvPr id="25" name="TextBox 24">
+            <a:extLst>
+              <a:ext uri="{FF2B5EF4-FFF2-40B4-BE49-F238E27FC236}">
+                <a16:creationId xmlns:a16="http://schemas.microsoft.com/office/drawing/2014/main" id="{EFAE949F-3EE0-46E5-903D-06AB5FD68FA5}"/>
+              </a:ext>
+            </a:extLst>
+          </p:cNvPr>
+          <p:cNvSpPr txBox="1"/>
+          <p:nvPr/>
+        </p:nvSpPr>
+        <p:spPr>
+          <a:xfrm>
+            <a:off x="1331167" y="550116"/>
+            <a:ext cx="2125434" cy="369332"/>
+          </a:xfrm>
+          <a:prstGeom prst="rect">
+            <a:avLst/>
+          </a:prstGeom>
+          <a:noFill/>
+        </p:spPr>
+        <p:txBody>
+          <a:bodyPr wrap="square" rtlCol="0">
+            <a:spAutoFit/>
+          </a:bodyPr>
+          <a:lstStyle/>
+          <a:p>
+            <a:r>
+              <a:rPr lang="en-US" dirty="0"/>
+              <a:t>Git repository</a:t>
+            </a:r>
+            <a:endParaRPr lang="en-IL" dirty="0"/>
+          </a:p>
+        </p:txBody>
+      </p:sp>
+      <p:sp>
+        <p:nvSpPr>
+          <p:cNvPr id="26" name="TextBox 25">
+            <a:extLst>
+              <a:ext uri="{FF2B5EF4-FFF2-40B4-BE49-F238E27FC236}">
+                <a16:creationId xmlns:a16="http://schemas.microsoft.com/office/drawing/2014/main" id="{42B7B6F3-E909-463A-888F-72002CE9E633}"/>
+              </a:ext>
+            </a:extLst>
+          </p:cNvPr>
+          <p:cNvSpPr txBox="1"/>
+          <p:nvPr/>
+        </p:nvSpPr>
+        <p:spPr>
+          <a:xfrm>
+            <a:off x="2788689" y="1215308"/>
+            <a:ext cx="1508058" cy="369332"/>
+          </a:xfrm>
+          <a:prstGeom prst="rect">
+            <a:avLst/>
+          </a:prstGeom>
+          <a:noFill/>
+        </p:spPr>
+        <p:txBody>
+          <a:bodyPr wrap="square" rtlCol="0">
+            <a:spAutoFit/>
+          </a:bodyPr>
+          <a:lstStyle/>
+          <a:p>
+            <a:r>
+              <a:rPr lang="en-US" dirty="0"/>
+              <a:t>remote</a:t>
+            </a:r>
+            <a:endParaRPr lang="en-IL" dirty="0"/>
+          </a:p>
+        </p:txBody>
+      </p:sp>
+      <p:sp>
+        <p:nvSpPr>
+          <p:cNvPr id="27" name="TextBox 26">
+            <a:extLst>
+              <a:ext uri="{FF2B5EF4-FFF2-40B4-BE49-F238E27FC236}">
+                <a16:creationId xmlns:a16="http://schemas.microsoft.com/office/drawing/2014/main" id="{BCFD264E-0EC1-4C84-9979-57B9DA2FD49C}"/>
+              </a:ext>
+            </a:extLst>
+          </p:cNvPr>
+          <p:cNvSpPr txBox="1"/>
+          <p:nvPr/>
+        </p:nvSpPr>
+        <p:spPr>
+          <a:xfrm>
+            <a:off x="1175658" y="4279641"/>
+            <a:ext cx="1508058" cy="369332"/>
+          </a:xfrm>
+          <a:prstGeom prst="rect">
+            <a:avLst/>
+          </a:prstGeom>
+          <a:noFill/>
+        </p:spPr>
+        <p:txBody>
+          <a:bodyPr wrap="square" rtlCol="0">
+            <a:spAutoFit/>
+          </a:bodyPr>
+          <a:lstStyle/>
+          <a:p>
+            <a:r>
+              <a:rPr lang="en-US" dirty="0"/>
+              <a:t>local</a:t>
+            </a:r>
+            <a:endParaRPr lang="en-IL" dirty="0"/>
+          </a:p>
+        </p:txBody>
+      </p:sp>
+      <p:sp>
+        <p:nvSpPr>
+          <p:cNvPr id="28" name="TextBox 27">
+            <a:extLst>
+              <a:ext uri="{FF2B5EF4-FFF2-40B4-BE49-F238E27FC236}">
+                <a16:creationId xmlns:a16="http://schemas.microsoft.com/office/drawing/2014/main" id="{BD7CC8BB-B0CC-4B52-BF89-28D0AEFB9316}"/>
+              </a:ext>
+            </a:extLst>
+          </p:cNvPr>
+          <p:cNvSpPr txBox="1"/>
+          <p:nvPr/>
+        </p:nvSpPr>
+        <p:spPr>
+          <a:xfrm>
+            <a:off x="6671389" y="4479858"/>
+            <a:ext cx="1508058" cy="369332"/>
+          </a:xfrm>
+          <a:prstGeom prst="rect">
+            <a:avLst/>
+          </a:prstGeom>
+          <a:noFill/>
+        </p:spPr>
+        <p:txBody>
+          <a:bodyPr wrap="square" rtlCol="0">
+            <a:spAutoFit/>
+          </a:bodyPr>
+          <a:lstStyle/>
+          <a:p>
+            <a:r>
+              <a:rPr lang="en-US" dirty="0"/>
+              <a:t>local</a:t>
+            </a:r>
+            <a:endParaRPr lang="en-IL" dirty="0"/>
+          </a:p>
+        </p:txBody>
+      </p:sp>
+      <p:sp>
+        <p:nvSpPr>
+          <p:cNvPr id="17" name="Rectangle: Folded Corner 16">
+            <a:extLst>
+              <a:ext uri="{FF2B5EF4-FFF2-40B4-BE49-F238E27FC236}">
+                <a16:creationId xmlns:a16="http://schemas.microsoft.com/office/drawing/2014/main" id="{72AEE134-2A14-4EE3-96BF-F0DD45E608CB}"/>
+              </a:ext>
+            </a:extLst>
+          </p:cNvPr>
+          <p:cNvSpPr/>
+          <p:nvPr/>
+        </p:nvSpPr>
+        <p:spPr>
+          <a:xfrm>
+            <a:off x="3687898" y="1349051"/>
+            <a:ext cx="422985" cy="591720"/>
+          </a:xfrm>
+          <a:prstGeom prst="foldedCorner">
+            <a:avLst/>
+          </a:prstGeom>
+        </p:spPr>
+        <p:style>
+          <a:lnRef idx="2">
+            <a:schemeClr val="accent1">
+              <a:shade val="50000"/>
+            </a:schemeClr>
+          </a:lnRef>
+          <a:fillRef idx="1">
+            <a:schemeClr val="accent1"/>
+          </a:fillRef>
+          <a:effectRef idx="0">
+            <a:schemeClr val="accent1"/>
+          </a:effectRef>
+          <a:fontRef idx="minor">
+            <a:schemeClr val="lt1"/>
+          </a:fontRef>
+        </p:style>
+        <p:txBody>
+          <a:bodyPr rtlCol="0" anchor="ctr"/>
+          <a:lstStyle/>
+          <a:p>
+            <a:pPr algn="ctr"/>
+            <a:r>
+              <a:rPr lang="en-US" sz="800" dirty="0"/>
+              <a:t>Code</a:t>
+            </a:r>
+          </a:p>
+          <a:p>
+            <a:pPr algn="ctr"/>
+            <a:r>
+              <a:rPr lang="en-US" sz="800" dirty="0"/>
+              <a:t>Ver.</a:t>
+            </a:r>
+            <a:endParaRPr lang="en-IL" sz="800" dirty="0"/>
+          </a:p>
+        </p:txBody>
+      </p:sp>
+      <p:sp>
+        <p:nvSpPr>
+          <p:cNvPr id="19" name="TextBox 18">
+            <a:extLst>
+              <a:ext uri="{FF2B5EF4-FFF2-40B4-BE49-F238E27FC236}">
+                <a16:creationId xmlns:a16="http://schemas.microsoft.com/office/drawing/2014/main" id="{D56AFBE2-D99E-452F-91FC-347729275508}"/>
+              </a:ext>
+            </a:extLst>
+          </p:cNvPr>
+          <p:cNvSpPr txBox="1"/>
+          <p:nvPr/>
+        </p:nvSpPr>
+        <p:spPr>
+          <a:xfrm rot="1551179">
+            <a:off x="5917360" y="2306349"/>
+            <a:ext cx="1508058" cy="369332"/>
+          </a:xfrm>
+          <a:prstGeom prst="rect">
+            <a:avLst/>
+          </a:prstGeom>
+          <a:noFill/>
+        </p:spPr>
+        <p:txBody>
+          <a:bodyPr wrap="square" rtlCol="0">
+            <a:spAutoFit/>
+          </a:bodyPr>
+          <a:lstStyle/>
+          <a:p>
+            <a:r>
+              <a:rPr lang="en-US" dirty="0"/>
+              <a:t>Pull</a:t>
+            </a:r>
+            <a:endParaRPr lang="en-IL" dirty="0"/>
+          </a:p>
+        </p:txBody>
+      </p:sp>
+    </p:spTree>
+    <p:extLst>
+      <p:ext uri="{BB962C8B-B14F-4D97-AF65-F5344CB8AC3E}">
+        <p14:creationId xmlns:p14="http://schemas.microsoft.com/office/powerpoint/2010/main" val="2096196745"/>
+      </p:ext>
+    </p:extLst>
+  </p:cSld>
+  <p:clrMapOvr>
+    <a:masterClrMapping/>
+  </p:clrMapOvr>
+</p:sld>
+</file>
+
 <file path=ppt/theme/theme1.xml><?xml version="1.0" encoding="utf-8"?>
 <a:theme xmlns:a="http://schemas.openxmlformats.org/drawingml/2006/main" name="Office Theme">
   <a:themeElements>
